--- a/Document/프로젝트_계획서(수정5).pptx
+++ b/Document/프로젝트_계획서(수정5).pptx
@@ -5,29 +5,28 @@
     <p:sldMasterId id="2147483648" r:id="rId1"/>
   </p:sldMasterIdLst>
   <p:notesMasterIdLst>
-    <p:notesMasterId r:id="rId11"/>
+    <p:notesMasterId r:id="rId10"/>
   </p:notesMasterIdLst>
   <p:sldIdLst>
     <p:sldId id="266" r:id="rId2"/>
     <p:sldId id="268" r:id="rId3"/>
     <p:sldId id="269" r:id="rId4"/>
     <p:sldId id="271" r:id="rId5"/>
-    <p:sldId id="272" r:id="rId6"/>
-    <p:sldId id="261" r:id="rId7"/>
-    <p:sldId id="275" r:id="rId8"/>
-    <p:sldId id="273" r:id="rId9"/>
-    <p:sldId id="274" r:id="rId10"/>
+    <p:sldId id="261" r:id="rId6"/>
+    <p:sldId id="275" r:id="rId7"/>
+    <p:sldId id="273" r:id="rId8"/>
+    <p:sldId id="274" r:id="rId9"/>
   </p:sldIdLst>
   <p:sldSz cx="12192000" cy="6858000"/>
   <p:notesSz cx="6858000" cy="9144000"/>
   <p:embeddedFontLst>
     <p:embeddedFont>
       <p:font typeface="이사만루체 Light" panose="00000300000000000000" pitchFamily="2" charset="-127"/>
-      <p:regular r:id="rId12"/>
+      <p:regular r:id="rId11"/>
     </p:embeddedFont>
     <p:embeddedFont>
       <p:font typeface="이사만루체 Medium" panose="00000600000000000000" pitchFamily="2" charset="-127"/>
-      <p:regular r:id="rId13"/>
+      <p:regular r:id="rId12"/>
     </p:embeddedFont>
   </p:embeddedFontLst>
   <p:defaultTextStyle>
@@ -310,7 +309,7 @@
       </p15:sldGuideLst>
     </p:ext>
     <p:ext uri="http://customooxmlschemas.google.com/">
-      <go:slidesCustomData xmlns:go="http://customooxmlschemas.google.com/" xmlns:ahyp="http://schemas.microsoft.com/office/drawing/2018/hyperlinkcolor" xmlns:p15="http://schemas.microsoft.com/office/powerpoint/2012/main" xmlns:p14="http://schemas.microsoft.com/office/powerpoint/2010/main" xmlns:com="http://schemas.openxmlformats.org/drawingml/2006/compatibility" xmlns:pvml="urn:schemas-microsoft-com:office:powerpoint" xmlns:v="urn:schemas-microsoft-com:vml" xmlns:o="urn:schemas-microsoft-com:office:office" xmlns:dgm="http://schemas.openxmlformats.org/drawingml/2006/diagram" xmlns:c="http://schemas.openxmlformats.org/drawingml/2006/chart" xmlns:mv="urn:schemas-microsoft-com:mac:vml" xmlns:mc="http://schemas.openxmlformats.org/markup-compatibility/2006" xmlns="" r:id="rId18" roundtripDataSignature="AMtx7mjA+PHAejecrx1sNiDttXREhx5BKw=="/>
+      <go:slidesCustomData xmlns="" xmlns:mc="http://schemas.openxmlformats.org/markup-compatibility/2006" xmlns:mv="urn:schemas-microsoft-com:mac:vml" xmlns:c="http://schemas.openxmlformats.org/drawingml/2006/chart" xmlns:dgm="http://schemas.openxmlformats.org/drawingml/2006/diagram" xmlns:o="urn:schemas-microsoft-com:office:office" xmlns:v="urn:schemas-microsoft-com:vml" xmlns:pvml="urn:schemas-microsoft-com:office:powerpoint" xmlns:com="http://schemas.openxmlformats.org/drawingml/2006/compatibility" xmlns:p14="http://schemas.microsoft.com/office/powerpoint/2010/main" xmlns:p15="http://schemas.microsoft.com/office/powerpoint/2012/main" xmlns:ahyp="http://schemas.microsoft.com/office/drawing/2018/hyperlinkcolor" xmlns:go="http://customooxmlschemas.google.com/" r:id="rId18" roundtripDataSignature="AMtx7mjA+PHAejecrx1sNiDttXREhx5BKw=="/>
     </p:ext>
   </p:extLst>
 </p:presentation>
@@ -4214,31 +4213,6 @@
                 <a:latin typeface="이사만루체 Medium" panose="00000600000000000000" pitchFamily="2" charset="-127"/>
                 <a:ea typeface="이사만루체 Medium" panose="00000600000000000000" pitchFamily="2" charset="-127"/>
               </a:rPr>
-              <a:t>프로젝트 추진 방법론</a:t>
-            </a:r>
-            <a:endParaRPr lang="en-US" altLang="ko-KR" sz="3000" dirty="0">
-              <a:solidFill>
-                <a:schemeClr val="tx1"/>
-              </a:solidFill>
-              <a:latin typeface="이사만루체 Medium" panose="00000600000000000000" pitchFamily="2" charset="-127"/>
-              <a:ea typeface="이사만루체 Medium" panose="00000600000000000000" pitchFamily="2" charset="-127"/>
-            </a:endParaRPr>
-          </a:p>
-          <a:p>
-            <a:pPr marL="742950" indent="-742950">
-              <a:lnSpc>
-                <a:spcPct val="200000"/>
-              </a:lnSpc>
-              <a:buAutoNum type="arabicPeriod"/>
-            </a:pPr>
-            <a:r>
-              <a:rPr lang="ko-KR" altLang="en-US" sz="3000" dirty="0">
-                <a:solidFill>
-                  <a:schemeClr val="tx1"/>
-                </a:solidFill>
-                <a:latin typeface="이사만루체 Medium" panose="00000600000000000000" pitchFamily="2" charset="-127"/>
-                <a:ea typeface="이사만루체 Medium" panose="00000600000000000000" pitchFamily="2" charset="-127"/>
-              </a:rPr>
               <a:t>프로젝트 조직 및 역할</a:t>
             </a:r>
             <a:endParaRPr lang="en-US" altLang="ko-KR" sz="3000" dirty="0">
@@ -8370,4186 +8344,6 @@
       </p:grpSpPr>
       <p:pic>
         <p:nvPicPr>
-          <p:cNvPr id="5" name="그림 4">
-            <a:extLst>
-              <a:ext uri="{FF2B5EF4-FFF2-40B4-BE49-F238E27FC236}">
-                <a16:creationId xmlns:a16="http://schemas.microsoft.com/office/drawing/2014/main" id="{D53A32B9-48F1-9A46-3688-055888D09B06}"/>
-              </a:ext>
-            </a:extLst>
-          </p:cNvPr>
-          <p:cNvPicPr>
-            <a:picLocks noChangeAspect="1"/>
-          </p:cNvPicPr>
-          <p:nvPr/>
-        </p:nvPicPr>
-        <p:blipFill>
-          <a:blip r:embed="rId2">
-            <a:alphaModFix amt="35000"/>
-          </a:blip>
-          <a:stretch>
-            <a:fillRect/>
-          </a:stretch>
-        </p:blipFill>
-        <p:spPr>
-          <a:xfrm>
-            <a:off x="0" y="-1676400"/>
-            <a:ext cx="12192000" cy="8534400"/>
-          </a:xfrm>
-          <a:prstGeom prst="rect">
-            <a:avLst/>
-          </a:prstGeom>
-        </p:spPr>
-      </p:pic>
-      <p:sp>
-        <p:nvSpPr>
-          <p:cNvPr id="2" name="PlaceHolder 1">
-            <a:extLst>
-              <a:ext uri="{FF2B5EF4-FFF2-40B4-BE49-F238E27FC236}">
-                <a16:creationId xmlns:a16="http://schemas.microsoft.com/office/drawing/2014/main" id="{2A1EA699-2064-6F90-3336-F828AAEED9F4}"/>
-              </a:ext>
-            </a:extLst>
-          </p:cNvPr>
-          <p:cNvSpPr txBox="1">
-            <a:spLocks/>
-          </p:cNvSpPr>
-          <p:nvPr/>
-        </p:nvSpPr>
-        <p:spPr>
-          <a:xfrm>
-            <a:off x="479520" y="135000"/>
-            <a:ext cx="4942440" cy="483840"/>
-          </a:xfrm>
-          <a:prstGeom prst="rect">
-            <a:avLst/>
-          </a:prstGeom>
-          <a:noFill/>
-          <a:ln w="0">
-            <a:noFill/>
-          </a:ln>
-        </p:spPr>
-        <p:txBody>
-          <a:bodyPr lIns="90000" tIns="45000" rIns="90000" bIns="45000" anchor="t">
-            <a:noAutofit/>
-          </a:bodyPr>
-          <a:lstStyle>
-            <a:defPPr marR="0" lvl="0" algn="l" rtl="0">
-              <a:lnSpc>
-                <a:spcPct val="100000"/>
-              </a:lnSpc>
-              <a:spcBef>
-                <a:spcPts val="0"/>
-              </a:spcBef>
-              <a:spcAft>
-                <a:spcPts val="0"/>
-              </a:spcAft>
-            </a:defPPr>
-            <a:lvl1pPr marR="0" lvl="0" algn="l" rtl="0">
-              <a:lnSpc>
-                <a:spcPct val="100000"/>
-              </a:lnSpc>
-              <a:spcBef>
-                <a:spcPts val="0"/>
-              </a:spcBef>
-              <a:spcAft>
-                <a:spcPts val="0"/>
-              </a:spcAft>
-              <a:buClr>
-                <a:srgbClr val="000000"/>
-              </a:buClr>
-              <a:buFont typeface="Arial"/>
-              <a:defRPr sz="1400" b="0" i="0" u="none" strike="noStrike" cap="none">
-                <a:solidFill>
-                  <a:srgbClr val="000000"/>
-                </a:solidFill>
-                <a:latin typeface="Arial"/>
-                <a:ea typeface="Arial"/>
-                <a:cs typeface="Arial"/>
-                <a:sym typeface="Arial"/>
-              </a:defRPr>
-            </a:lvl1pPr>
-            <a:lvl2pPr marR="0" lvl="1" algn="l" rtl="0">
-              <a:lnSpc>
-                <a:spcPct val="100000"/>
-              </a:lnSpc>
-              <a:spcBef>
-                <a:spcPts val="0"/>
-              </a:spcBef>
-              <a:spcAft>
-                <a:spcPts val="0"/>
-              </a:spcAft>
-              <a:buClr>
-                <a:srgbClr val="000000"/>
-              </a:buClr>
-              <a:buFont typeface="Arial"/>
-              <a:defRPr sz="1400" b="0" i="0" u="none" strike="noStrike" cap="none">
-                <a:solidFill>
-                  <a:srgbClr val="000000"/>
-                </a:solidFill>
-                <a:latin typeface="Arial"/>
-                <a:ea typeface="Arial"/>
-                <a:cs typeface="Arial"/>
-                <a:sym typeface="Arial"/>
-              </a:defRPr>
-            </a:lvl2pPr>
-            <a:lvl3pPr marR="0" lvl="2" algn="l" rtl="0">
-              <a:lnSpc>
-                <a:spcPct val="100000"/>
-              </a:lnSpc>
-              <a:spcBef>
-                <a:spcPts val="0"/>
-              </a:spcBef>
-              <a:spcAft>
-                <a:spcPts val="0"/>
-              </a:spcAft>
-              <a:buClr>
-                <a:srgbClr val="000000"/>
-              </a:buClr>
-              <a:buFont typeface="Arial"/>
-              <a:defRPr sz="1400" b="0" i="0" u="none" strike="noStrike" cap="none">
-                <a:solidFill>
-                  <a:srgbClr val="000000"/>
-                </a:solidFill>
-                <a:latin typeface="Arial"/>
-                <a:ea typeface="Arial"/>
-                <a:cs typeface="Arial"/>
-                <a:sym typeface="Arial"/>
-              </a:defRPr>
-            </a:lvl3pPr>
-            <a:lvl4pPr marR="0" lvl="3" algn="l" rtl="0">
-              <a:lnSpc>
-                <a:spcPct val="100000"/>
-              </a:lnSpc>
-              <a:spcBef>
-                <a:spcPts val="0"/>
-              </a:spcBef>
-              <a:spcAft>
-                <a:spcPts val="0"/>
-              </a:spcAft>
-              <a:buClr>
-                <a:srgbClr val="000000"/>
-              </a:buClr>
-              <a:buFont typeface="Arial"/>
-              <a:defRPr sz="1400" b="0" i="0" u="none" strike="noStrike" cap="none">
-                <a:solidFill>
-                  <a:srgbClr val="000000"/>
-                </a:solidFill>
-                <a:latin typeface="Arial"/>
-                <a:ea typeface="Arial"/>
-                <a:cs typeface="Arial"/>
-                <a:sym typeface="Arial"/>
-              </a:defRPr>
-            </a:lvl4pPr>
-            <a:lvl5pPr marR="0" lvl="4" algn="l" rtl="0">
-              <a:lnSpc>
-                <a:spcPct val="100000"/>
-              </a:lnSpc>
-              <a:spcBef>
-                <a:spcPts val="0"/>
-              </a:spcBef>
-              <a:spcAft>
-                <a:spcPts val="0"/>
-              </a:spcAft>
-              <a:buClr>
-                <a:srgbClr val="000000"/>
-              </a:buClr>
-              <a:buFont typeface="Arial"/>
-              <a:defRPr sz="1400" b="0" i="0" u="none" strike="noStrike" cap="none">
-                <a:solidFill>
-                  <a:srgbClr val="000000"/>
-                </a:solidFill>
-                <a:latin typeface="Arial"/>
-                <a:ea typeface="Arial"/>
-                <a:cs typeface="Arial"/>
-                <a:sym typeface="Arial"/>
-              </a:defRPr>
-            </a:lvl5pPr>
-            <a:lvl6pPr marR="0" lvl="5" algn="l" rtl="0">
-              <a:lnSpc>
-                <a:spcPct val="100000"/>
-              </a:lnSpc>
-              <a:spcBef>
-                <a:spcPts val="0"/>
-              </a:spcBef>
-              <a:spcAft>
-                <a:spcPts val="0"/>
-              </a:spcAft>
-              <a:buClr>
-                <a:srgbClr val="000000"/>
-              </a:buClr>
-              <a:buFont typeface="Arial"/>
-              <a:defRPr sz="1400" b="0" i="0" u="none" strike="noStrike" cap="none">
-                <a:solidFill>
-                  <a:srgbClr val="000000"/>
-                </a:solidFill>
-                <a:latin typeface="Arial"/>
-                <a:ea typeface="Arial"/>
-                <a:cs typeface="Arial"/>
-                <a:sym typeface="Arial"/>
-              </a:defRPr>
-            </a:lvl6pPr>
-            <a:lvl7pPr marR="0" lvl="6" algn="l" rtl="0">
-              <a:lnSpc>
-                <a:spcPct val="100000"/>
-              </a:lnSpc>
-              <a:spcBef>
-                <a:spcPts val="0"/>
-              </a:spcBef>
-              <a:spcAft>
-                <a:spcPts val="0"/>
-              </a:spcAft>
-              <a:buClr>
-                <a:srgbClr val="000000"/>
-              </a:buClr>
-              <a:buFont typeface="Arial"/>
-              <a:defRPr sz="1400" b="0" i="0" u="none" strike="noStrike" cap="none">
-                <a:solidFill>
-                  <a:srgbClr val="000000"/>
-                </a:solidFill>
-                <a:latin typeface="Arial"/>
-                <a:ea typeface="Arial"/>
-                <a:cs typeface="Arial"/>
-                <a:sym typeface="Arial"/>
-              </a:defRPr>
-            </a:lvl7pPr>
-            <a:lvl8pPr marR="0" lvl="7" algn="l" rtl="0">
-              <a:lnSpc>
-                <a:spcPct val="100000"/>
-              </a:lnSpc>
-              <a:spcBef>
-                <a:spcPts val="0"/>
-              </a:spcBef>
-              <a:spcAft>
-                <a:spcPts val="0"/>
-              </a:spcAft>
-              <a:buClr>
-                <a:srgbClr val="000000"/>
-              </a:buClr>
-              <a:buFont typeface="Arial"/>
-              <a:defRPr sz="1400" b="0" i="0" u="none" strike="noStrike" cap="none">
-                <a:solidFill>
-                  <a:srgbClr val="000000"/>
-                </a:solidFill>
-                <a:latin typeface="Arial"/>
-                <a:ea typeface="Arial"/>
-                <a:cs typeface="Arial"/>
-                <a:sym typeface="Arial"/>
-              </a:defRPr>
-            </a:lvl8pPr>
-            <a:lvl9pPr marR="0" lvl="8" algn="l" rtl="0">
-              <a:lnSpc>
-                <a:spcPct val="100000"/>
-              </a:lnSpc>
-              <a:spcBef>
-                <a:spcPts val="0"/>
-              </a:spcBef>
-              <a:spcAft>
-                <a:spcPts val="0"/>
-              </a:spcAft>
-              <a:buClr>
-                <a:srgbClr val="000000"/>
-              </a:buClr>
-              <a:buFont typeface="Arial"/>
-              <a:defRPr sz="1400" b="0" i="0" u="none" strike="noStrike" cap="none">
-                <a:solidFill>
-                  <a:srgbClr val="000000"/>
-                </a:solidFill>
-                <a:latin typeface="Arial"/>
-                <a:ea typeface="Arial"/>
-                <a:cs typeface="Arial"/>
-                <a:sym typeface="Arial"/>
-              </a:defRPr>
-            </a:lvl9pPr>
-          </a:lstStyle>
-          <a:p>
-            <a:pPr>
-              <a:lnSpc>
-                <a:spcPct val="90000"/>
-              </a:lnSpc>
-              <a:tabLst>
-                <a:tab pos="0" algn="l"/>
-              </a:tabLst>
-            </a:pPr>
-            <a:r>
-              <a:rPr lang="en-US" sz="3200" b="1" spc="-1" dirty="0">
-                <a:solidFill>
-                  <a:schemeClr val="dk1"/>
-                </a:solidFill>
-                <a:latin typeface="이사만루체 Medium" panose="00000600000000000000" pitchFamily="2" charset="-127"/>
-                <a:ea typeface="이사만루체 Medium" panose="00000600000000000000" pitchFamily="2" charset="-127"/>
-              </a:rPr>
-              <a:t>3. </a:t>
-            </a:r>
-            <a:r>
-              <a:rPr lang="ko-KR" sz="3200" b="1" spc="-1" dirty="0">
-                <a:solidFill>
-                  <a:schemeClr val="dk1"/>
-                </a:solidFill>
-                <a:latin typeface="이사만루체 Medium" panose="00000600000000000000" pitchFamily="2" charset="-127"/>
-                <a:ea typeface="이사만루체 Medium" panose="00000600000000000000" pitchFamily="2" charset="-127"/>
-              </a:rPr>
-              <a:t>프로젝트 추진 방법론</a:t>
-            </a:r>
-            <a:endParaRPr lang="en-US" sz="3200" spc="-1" dirty="0">
-              <a:latin typeface="이사만루체 Medium" panose="00000600000000000000" pitchFamily="2" charset="-127"/>
-              <a:ea typeface="이사만루체 Medium" panose="00000600000000000000" pitchFamily="2" charset="-127"/>
-            </a:endParaRPr>
-          </a:p>
-        </p:txBody>
-      </p:sp>
-      <p:sp>
-        <p:nvSpPr>
-          <p:cNvPr id="3" name="PlaceHolder 2">
-            <a:extLst>
-              <a:ext uri="{FF2B5EF4-FFF2-40B4-BE49-F238E27FC236}">
-                <a16:creationId xmlns:a16="http://schemas.microsoft.com/office/drawing/2014/main" id="{765A3B54-FBB1-514E-1BAE-1B71501DC183}"/>
-              </a:ext>
-            </a:extLst>
-          </p:cNvPr>
-          <p:cNvSpPr txBox="1">
-            <a:spLocks/>
-          </p:cNvSpPr>
-          <p:nvPr/>
-        </p:nvSpPr>
-        <p:spPr>
-          <a:xfrm>
-            <a:off x="479520" y="889810"/>
-            <a:ext cx="10981800" cy="645480"/>
-          </a:xfrm>
-          <a:prstGeom prst="rect">
-            <a:avLst/>
-          </a:prstGeom>
-          <a:noFill/>
-          <a:ln w="0">
-            <a:noFill/>
-          </a:ln>
-        </p:spPr>
-        <p:txBody>
-          <a:bodyPr lIns="90000" tIns="45000" rIns="90000" bIns="45000" anchor="t">
-            <a:noAutofit/>
-          </a:bodyPr>
-          <a:lstStyle>
-            <a:defPPr marR="0" lvl="0" algn="l" rtl="0">
-              <a:lnSpc>
-                <a:spcPct val="100000"/>
-              </a:lnSpc>
-              <a:spcBef>
-                <a:spcPts val="0"/>
-              </a:spcBef>
-              <a:spcAft>
-                <a:spcPts val="0"/>
-              </a:spcAft>
-            </a:defPPr>
-            <a:lvl1pPr marR="0" lvl="0" algn="l" rtl="0">
-              <a:lnSpc>
-                <a:spcPct val="100000"/>
-              </a:lnSpc>
-              <a:spcBef>
-                <a:spcPts val="0"/>
-              </a:spcBef>
-              <a:spcAft>
-                <a:spcPts val="0"/>
-              </a:spcAft>
-              <a:buClr>
-                <a:srgbClr val="000000"/>
-              </a:buClr>
-              <a:buFont typeface="Arial"/>
-              <a:defRPr sz="1400" b="0" i="0" u="none" strike="noStrike" cap="none">
-                <a:solidFill>
-                  <a:srgbClr val="000000"/>
-                </a:solidFill>
-                <a:latin typeface="Arial"/>
-                <a:ea typeface="Arial"/>
-                <a:cs typeface="Arial"/>
-                <a:sym typeface="Arial"/>
-              </a:defRPr>
-            </a:lvl1pPr>
-            <a:lvl2pPr marR="0" lvl="1" algn="l" rtl="0">
-              <a:lnSpc>
-                <a:spcPct val="100000"/>
-              </a:lnSpc>
-              <a:spcBef>
-                <a:spcPts val="0"/>
-              </a:spcBef>
-              <a:spcAft>
-                <a:spcPts val="0"/>
-              </a:spcAft>
-              <a:buClr>
-                <a:srgbClr val="000000"/>
-              </a:buClr>
-              <a:buFont typeface="Arial"/>
-              <a:defRPr sz="1400" b="0" i="0" u="none" strike="noStrike" cap="none">
-                <a:solidFill>
-                  <a:srgbClr val="000000"/>
-                </a:solidFill>
-                <a:latin typeface="Arial"/>
-                <a:ea typeface="Arial"/>
-                <a:cs typeface="Arial"/>
-                <a:sym typeface="Arial"/>
-              </a:defRPr>
-            </a:lvl2pPr>
-            <a:lvl3pPr marR="0" lvl="2" algn="l" rtl="0">
-              <a:lnSpc>
-                <a:spcPct val="100000"/>
-              </a:lnSpc>
-              <a:spcBef>
-                <a:spcPts val="0"/>
-              </a:spcBef>
-              <a:spcAft>
-                <a:spcPts val="0"/>
-              </a:spcAft>
-              <a:buClr>
-                <a:srgbClr val="000000"/>
-              </a:buClr>
-              <a:buFont typeface="Arial"/>
-              <a:defRPr sz="1400" b="0" i="0" u="none" strike="noStrike" cap="none">
-                <a:solidFill>
-                  <a:srgbClr val="000000"/>
-                </a:solidFill>
-                <a:latin typeface="Arial"/>
-                <a:ea typeface="Arial"/>
-                <a:cs typeface="Arial"/>
-                <a:sym typeface="Arial"/>
-              </a:defRPr>
-            </a:lvl3pPr>
-            <a:lvl4pPr marR="0" lvl="3" algn="l" rtl="0">
-              <a:lnSpc>
-                <a:spcPct val="100000"/>
-              </a:lnSpc>
-              <a:spcBef>
-                <a:spcPts val="0"/>
-              </a:spcBef>
-              <a:spcAft>
-                <a:spcPts val="0"/>
-              </a:spcAft>
-              <a:buClr>
-                <a:srgbClr val="000000"/>
-              </a:buClr>
-              <a:buFont typeface="Arial"/>
-              <a:defRPr sz="1400" b="0" i="0" u="none" strike="noStrike" cap="none">
-                <a:solidFill>
-                  <a:srgbClr val="000000"/>
-                </a:solidFill>
-                <a:latin typeface="Arial"/>
-                <a:ea typeface="Arial"/>
-                <a:cs typeface="Arial"/>
-                <a:sym typeface="Arial"/>
-              </a:defRPr>
-            </a:lvl4pPr>
-            <a:lvl5pPr marR="0" lvl="4" algn="l" rtl="0">
-              <a:lnSpc>
-                <a:spcPct val="100000"/>
-              </a:lnSpc>
-              <a:spcBef>
-                <a:spcPts val="0"/>
-              </a:spcBef>
-              <a:spcAft>
-                <a:spcPts val="0"/>
-              </a:spcAft>
-              <a:buClr>
-                <a:srgbClr val="000000"/>
-              </a:buClr>
-              <a:buFont typeface="Arial"/>
-              <a:defRPr sz="1400" b="0" i="0" u="none" strike="noStrike" cap="none">
-                <a:solidFill>
-                  <a:srgbClr val="000000"/>
-                </a:solidFill>
-                <a:latin typeface="Arial"/>
-                <a:ea typeface="Arial"/>
-                <a:cs typeface="Arial"/>
-                <a:sym typeface="Arial"/>
-              </a:defRPr>
-            </a:lvl5pPr>
-            <a:lvl6pPr marR="0" lvl="5" algn="l" rtl="0">
-              <a:lnSpc>
-                <a:spcPct val="100000"/>
-              </a:lnSpc>
-              <a:spcBef>
-                <a:spcPts val="0"/>
-              </a:spcBef>
-              <a:spcAft>
-                <a:spcPts val="0"/>
-              </a:spcAft>
-              <a:buClr>
-                <a:srgbClr val="000000"/>
-              </a:buClr>
-              <a:buFont typeface="Arial"/>
-              <a:defRPr sz="1400" b="0" i="0" u="none" strike="noStrike" cap="none">
-                <a:solidFill>
-                  <a:srgbClr val="000000"/>
-                </a:solidFill>
-                <a:latin typeface="Arial"/>
-                <a:ea typeface="Arial"/>
-                <a:cs typeface="Arial"/>
-                <a:sym typeface="Arial"/>
-              </a:defRPr>
-            </a:lvl6pPr>
-            <a:lvl7pPr marR="0" lvl="6" algn="l" rtl="0">
-              <a:lnSpc>
-                <a:spcPct val="100000"/>
-              </a:lnSpc>
-              <a:spcBef>
-                <a:spcPts val="0"/>
-              </a:spcBef>
-              <a:spcAft>
-                <a:spcPts val="0"/>
-              </a:spcAft>
-              <a:buClr>
-                <a:srgbClr val="000000"/>
-              </a:buClr>
-              <a:buFont typeface="Arial"/>
-              <a:defRPr sz="1400" b="0" i="0" u="none" strike="noStrike" cap="none">
-                <a:solidFill>
-                  <a:srgbClr val="000000"/>
-                </a:solidFill>
-                <a:latin typeface="Arial"/>
-                <a:ea typeface="Arial"/>
-                <a:cs typeface="Arial"/>
-                <a:sym typeface="Arial"/>
-              </a:defRPr>
-            </a:lvl7pPr>
-            <a:lvl8pPr marR="0" lvl="7" algn="l" rtl="0">
-              <a:lnSpc>
-                <a:spcPct val="100000"/>
-              </a:lnSpc>
-              <a:spcBef>
-                <a:spcPts val="0"/>
-              </a:spcBef>
-              <a:spcAft>
-                <a:spcPts val="0"/>
-              </a:spcAft>
-              <a:buClr>
-                <a:srgbClr val="000000"/>
-              </a:buClr>
-              <a:buFont typeface="Arial"/>
-              <a:defRPr sz="1400" b="0" i="0" u="none" strike="noStrike" cap="none">
-                <a:solidFill>
-                  <a:srgbClr val="000000"/>
-                </a:solidFill>
-                <a:latin typeface="Arial"/>
-                <a:ea typeface="Arial"/>
-                <a:cs typeface="Arial"/>
-                <a:sym typeface="Arial"/>
-              </a:defRPr>
-            </a:lvl8pPr>
-            <a:lvl9pPr marR="0" lvl="8" algn="l" rtl="0">
-              <a:lnSpc>
-                <a:spcPct val="100000"/>
-              </a:lnSpc>
-              <a:spcBef>
-                <a:spcPts val="0"/>
-              </a:spcBef>
-              <a:spcAft>
-                <a:spcPts val="0"/>
-              </a:spcAft>
-              <a:buClr>
-                <a:srgbClr val="000000"/>
-              </a:buClr>
-              <a:buFont typeface="Arial"/>
-              <a:defRPr sz="1400" b="0" i="0" u="none" strike="noStrike" cap="none">
-                <a:solidFill>
-                  <a:srgbClr val="000000"/>
-                </a:solidFill>
-                <a:latin typeface="Arial"/>
-                <a:ea typeface="Arial"/>
-                <a:cs typeface="Arial"/>
-                <a:sym typeface="Arial"/>
-              </a:defRPr>
-            </a:lvl9pPr>
-          </a:lstStyle>
-          <a:p>
-            <a:pPr>
-              <a:lnSpc>
-                <a:spcPct val="90000"/>
-              </a:lnSpc>
-              <a:tabLst>
-                <a:tab pos="0" algn="l"/>
-              </a:tabLst>
-            </a:pPr>
-            <a:r>
-              <a:rPr lang="ko-KR" sz="2000" b="1" spc="-1" dirty="0">
-                <a:solidFill>
-                  <a:schemeClr val="dk1"/>
-                </a:solidFill>
-                <a:latin typeface="이사만루체 Light" panose="00000300000000000000" pitchFamily="2" charset="-127"/>
-                <a:ea typeface="이사만루체 Light" panose="00000300000000000000" pitchFamily="2" charset="-127"/>
-              </a:rPr>
-              <a:t>본 프로젝트에서는 빅데이터 분석 방법론을 사용하며</a:t>
-            </a:r>
-            <a:r>
-              <a:rPr lang="en-US" sz="2000" b="1" spc="-1" dirty="0">
-                <a:solidFill>
-                  <a:schemeClr val="dk1"/>
-                </a:solidFill>
-                <a:latin typeface="이사만루체 Light" panose="00000300000000000000" pitchFamily="2" charset="-127"/>
-                <a:ea typeface="이사만루체 Light" panose="00000300000000000000" pitchFamily="2" charset="-127"/>
-              </a:rPr>
-              <a:t>, </a:t>
-            </a:r>
-            <a:r>
-              <a:rPr lang="ko-KR" sz="2000" b="1" spc="-1" dirty="0">
-                <a:solidFill>
-                  <a:schemeClr val="dk1"/>
-                </a:solidFill>
-                <a:latin typeface="이사만루체 Light" panose="00000300000000000000" pitchFamily="2" charset="-127"/>
-                <a:ea typeface="이사만루체 Light" panose="00000300000000000000" pitchFamily="2" charset="-127"/>
-              </a:rPr>
-              <a:t>각 단계별 산출물 작업으로 원활한 </a:t>
-            </a:r>
-            <a:r>
-              <a:rPr lang="ko-KR" sz="2000" b="1" spc="-1" dirty="0" err="1">
-                <a:solidFill>
-                  <a:schemeClr val="dk1"/>
-                </a:solidFill>
-                <a:latin typeface="이사만루체 Light" panose="00000300000000000000" pitchFamily="2" charset="-127"/>
-                <a:ea typeface="이사만루체 Light" panose="00000300000000000000" pitchFamily="2" charset="-127"/>
-              </a:rPr>
-              <a:t>커뮤니테이션을</a:t>
-            </a:r>
-            <a:r>
-              <a:rPr lang="ko-KR" sz="2000" b="1" spc="-1" dirty="0">
-                <a:solidFill>
-                  <a:schemeClr val="dk1"/>
-                </a:solidFill>
-                <a:latin typeface="이사만루체 Light" panose="00000300000000000000" pitchFamily="2" charset="-127"/>
-                <a:ea typeface="이사만루체 Light" panose="00000300000000000000" pitchFamily="2" charset="-127"/>
-              </a:rPr>
-              <a:t> 이루도록 할 것입니다</a:t>
-            </a:r>
-            <a:r>
-              <a:rPr lang="en-US" sz="2000" b="1" spc="-1" dirty="0">
-                <a:solidFill>
-                  <a:schemeClr val="dk1"/>
-                </a:solidFill>
-                <a:latin typeface="이사만루체 Light" panose="00000300000000000000" pitchFamily="2" charset="-127"/>
-                <a:ea typeface="이사만루체 Light" panose="00000300000000000000" pitchFamily="2" charset="-127"/>
-              </a:rPr>
-              <a:t>.</a:t>
-            </a:r>
-            <a:endParaRPr lang="en-US" sz="2000" spc="-1" dirty="0">
-              <a:latin typeface="이사만루체 Light" panose="00000300000000000000" pitchFamily="2" charset="-127"/>
-              <a:ea typeface="이사만루체 Light" panose="00000300000000000000" pitchFamily="2" charset="-127"/>
-            </a:endParaRPr>
-          </a:p>
-        </p:txBody>
-      </p:sp>
-      <p:sp>
-        <p:nvSpPr>
-          <p:cNvPr id="4" name="Google Shape;165;p22">
-            <a:extLst>
-              <a:ext uri="{FF2B5EF4-FFF2-40B4-BE49-F238E27FC236}">
-                <a16:creationId xmlns:a16="http://schemas.microsoft.com/office/drawing/2014/main" id="{D1081867-A67B-EDF5-3E6A-9572F5E28719}"/>
-              </a:ext>
-            </a:extLst>
-          </p:cNvPr>
-          <p:cNvSpPr/>
-          <p:nvPr/>
-        </p:nvSpPr>
-        <p:spPr>
-          <a:xfrm>
-            <a:off x="1321200" y="2243880"/>
-            <a:ext cx="1837440" cy="2181960"/>
-          </a:xfrm>
-          <a:prstGeom prst="rect">
-            <a:avLst/>
-          </a:prstGeom>
-          <a:gradFill rotWithShape="0">
-            <a:gsLst>
-              <a:gs pos="0">
-                <a:srgbClr val="F2F2F2"/>
-              </a:gs>
-              <a:gs pos="50000">
-                <a:srgbClr val="E6E6E6"/>
-              </a:gs>
-              <a:gs pos="100000">
-                <a:srgbClr val="F2F2F2"/>
-              </a:gs>
-            </a:gsLst>
-            <a:lin ang="5400000"/>
-          </a:gradFill>
-          <a:ln w="9525">
-            <a:solidFill>
-              <a:srgbClr val="A5A5A5"/>
-            </a:solidFill>
-            <a:miter/>
-          </a:ln>
-        </p:spPr>
-        <p:style>
-          <a:lnRef idx="0">
-            <a:scrgbClr r="0" g="0" b="0"/>
-          </a:lnRef>
-          <a:fillRef idx="0">
-            <a:scrgbClr r="0" g="0" b="0"/>
-          </a:fillRef>
-          <a:effectRef idx="0">
-            <a:scrgbClr r="0" g="0" b="0"/>
-          </a:effectRef>
-          <a:fontRef idx="minor"/>
-        </p:style>
-        <p:txBody>
-          <a:bodyPr lIns="90000" tIns="45000" rIns="90000" bIns="45000" anchor="t">
-            <a:noAutofit/>
-          </a:bodyPr>
-          <a:lstStyle/>
-          <a:p>
-            <a:pPr>
-              <a:lnSpc>
-                <a:spcPct val="100000"/>
-              </a:lnSpc>
-              <a:tabLst>
-                <a:tab pos="0" algn="l"/>
-              </a:tabLst>
-            </a:pPr>
-            <a:r>
-              <a:rPr lang="ko-KR" sz="1100" b="1" strike="noStrike" spc="-1" dirty="0">
-                <a:solidFill>
-                  <a:srgbClr val="444444"/>
-                </a:solidFill>
-                <a:latin typeface="이사만루체 Light" panose="00000300000000000000" pitchFamily="2" charset="-127"/>
-                <a:ea typeface="이사만루체 Light" panose="00000300000000000000" pitchFamily="2" charset="-127"/>
-              </a:rPr>
-              <a:t>프로젝트 진행을 위해 비즈니스에 대한 충분한 이해와 도메인 문제점 파악</a:t>
-            </a:r>
-            <a:endParaRPr lang="en-US" sz="1100" b="0" strike="noStrike" spc="-1" dirty="0">
-              <a:latin typeface="이사만루체 Light" panose="00000300000000000000" pitchFamily="2" charset="-127"/>
-              <a:ea typeface="이사만루체 Light" panose="00000300000000000000" pitchFamily="2" charset="-127"/>
-            </a:endParaRPr>
-          </a:p>
-          <a:p>
-            <a:pPr>
-              <a:lnSpc>
-                <a:spcPct val="100000"/>
-              </a:lnSpc>
-              <a:tabLst>
-                <a:tab pos="0" algn="l"/>
-              </a:tabLst>
-            </a:pPr>
-            <a:endParaRPr lang="en-US" sz="1000" b="0" strike="noStrike" spc="-1" dirty="0">
-              <a:latin typeface="이사만루체 Light" panose="00000300000000000000" pitchFamily="2" charset="-127"/>
-              <a:ea typeface="이사만루체 Light" panose="00000300000000000000" pitchFamily="2" charset="-127"/>
-            </a:endParaRPr>
-          </a:p>
-          <a:p>
-            <a:pPr marL="171360" indent="-171360">
-              <a:lnSpc>
-                <a:spcPct val="100000"/>
-              </a:lnSpc>
-              <a:buClr>
-                <a:srgbClr val="000000"/>
-              </a:buClr>
-              <a:buFont typeface="Noto Sans Symbols"/>
-              <a:buChar char="▪"/>
-              <a:tabLst>
-                <a:tab pos="0" algn="l"/>
-              </a:tabLst>
-            </a:pPr>
-            <a:r>
-              <a:rPr lang="ko-KR" sz="1000" b="0" strike="noStrike" spc="-1" dirty="0">
-                <a:solidFill>
-                  <a:srgbClr val="000000"/>
-                </a:solidFill>
-                <a:latin typeface="이사만루체 Light" panose="00000300000000000000" pitchFamily="2" charset="-127"/>
-                <a:ea typeface="이사만루체 Light" panose="00000300000000000000" pitchFamily="2" charset="-127"/>
-              </a:rPr>
-              <a:t>비즈니스 이해</a:t>
-            </a:r>
-            <a:r>
-              <a:rPr lang="en-US" sz="1000" b="0" strike="noStrike" spc="-1" dirty="0">
-                <a:solidFill>
-                  <a:srgbClr val="000000"/>
-                </a:solidFill>
-                <a:latin typeface="이사만루체 Light" panose="00000300000000000000" pitchFamily="2" charset="-127"/>
-                <a:ea typeface="이사만루체 Light" panose="00000300000000000000" pitchFamily="2" charset="-127"/>
-              </a:rPr>
-              <a:t>:</a:t>
-            </a:r>
-            <a:r>
-              <a:rPr lang="ko-KR" sz="1000" b="0" strike="noStrike" spc="-1" dirty="0">
-                <a:solidFill>
-                  <a:srgbClr val="000000"/>
-                </a:solidFill>
-                <a:latin typeface="이사만루체 Light" panose="00000300000000000000" pitchFamily="2" charset="-127"/>
-                <a:ea typeface="이사만루체 Light" panose="00000300000000000000" pitchFamily="2" charset="-127"/>
-              </a:rPr>
-              <a:t>비즈니스 자료조사</a:t>
-            </a:r>
-            <a:endParaRPr lang="en-US" sz="1000" b="0" strike="noStrike" spc="-1" dirty="0">
-              <a:latin typeface="이사만루체 Light" panose="00000300000000000000" pitchFamily="2" charset="-127"/>
-              <a:ea typeface="이사만루체 Light" panose="00000300000000000000" pitchFamily="2" charset="-127"/>
-            </a:endParaRPr>
-          </a:p>
-          <a:p>
-            <a:pPr marL="171360" indent="-171360">
-              <a:lnSpc>
-                <a:spcPct val="100000"/>
-              </a:lnSpc>
-              <a:buClr>
-                <a:srgbClr val="000000"/>
-              </a:buClr>
-              <a:buFont typeface="Noto Sans Symbols"/>
-              <a:buChar char="▪"/>
-              <a:tabLst>
-                <a:tab pos="0" algn="l"/>
-              </a:tabLst>
-            </a:pPr>
-            <a:r>
-              <a:rPr lang="ko-KR" sz="1000" b="0" strike="noStrike" spc="-1" dirty="0">
-                <a:solidFill>
-                  <a:srgbClr val="000000"/>
-                </a:solidFill>
-                <a:latin typeface="이사만루체 Light" panose="00000300000000000000" pitchFamily="2" charset="-127"/>
-                <a:ea typeface="이사만루체 Light" panose="00000300000000000000" pitchFamily="2" charset="-127"/>
-              </a:rPr>
-              <a:t>프로세스 범위설정</a:t>
-            </a:r>
-            <a:endParaRPr lang="en-US" sz="1000" b="0" strike="noStrike" spc="-1" dirty="0">
-              <a:latin typeface="이사만루체 Light" panose="00000300000000000000" pitchFamily="2" charset="-127"/>
-              <a:ea typeface="이사만루체 Light" panose="00000300000000000000" pitchFamily="2" charset="-127"/>
-            </a:endParaRPr>
-          </a:p>
-          <a:p>
-            <a:pPr marL="171360" indent="-171360">
-              <a:lnSpc>
-                <a:spcPct val="100000"/>
-              </a:lnSpc>
-              <a:buClr>
-                <a:srgbClr val="000000"/>
-              </a:buClr>
-              <a:buFont typeface="Noto Sans Symbols"/>
-              <a:buChar char="▪"/>
-              <a:tabLst>
-                <a:tab pos="0" algn="l"/>
-              </a:tabLst>
-            </a:pPr>
-            <a:r>
-              <a:rPr lang="ko-KR" sz="1000" b="0" strike="noStrike" spc="-1" dirty="0">
-                <a:solidFill>
-                  <a:srgbClr val="000000"/>
-                </a:solidFill>
-                <a:latin typeface="이사만루체 Light" panose="00000300000000000000" pitchFamily="2" charset="-127"/>
-                <a:ea typeface="이사만루체 Light" panose="00000300000000000000" pitchFamily="2" charset="-127"/>
-              </a:rPr>
-              <a:t>데이터 분석 프로젝트 정의</a:t>
-            </a:r>
-            <a:endParaRPr lang="en-US" sz="1000" b="0" strike="noStrike" spc="-1" dirty="0">
-              <a:latin typeface="이사만루체 Light" panose="00000300000000000000" pitchFamily="2" charset="-127"/>
-              <a:ea typeface="이사만루체 Light" panose="00000300000000000000" pitchFamily="2" charset="-127"/>
-            </a:endParaRPr>
-          </a:p>
-          <a:p>
-            <a:pPr marL="171360" indent="-171360">
-              <a:lnSpc>
-                <a:spcPct val="100000"/>
-              </a:lnSpc>
-              <a:buClr>
-                <a:srgbClr val="000000"/>
-              </a:buClr>
-              <a:buFont typeface="Noto Sans Symbols"/>
-              <a:buChar char="▪"/>
-              <a:tabLst>
-                <a:tab pos="0" algn="l"/>
-              </a:tabLst>
-            </a:pPr>
-            <a:r>
-              <a:rPr lang="ko-KR" sz="1000" b="0" strike="noStrike" spc="-1" dirty="0">
-                <a:solidFill>
-                  <a:srgbClr val="000000"/>
-                </a:solidFill>
-                <a:latin typeface="이사만루체 Light" panose="00000300000000000000" pitchFamily="2" charset="-127"/>
-                <a:ea typeface="이사만루체 Light" panose="00000300000000000000" pitchFamily="2" charset="-127"/>
-              </a:rPr>
-              <a:t>프로젝트 수행 계획 수립</a:t>
-            </a:r>
-            <a:endParaRPr lang="en-US" sz="1000" b="0" strike="noStrike" spc="-1" dirty="0">
-              <a:latin typeface="이사만루체 Light" panose="00000300000000000000" pitchFamily="2" charset="-127"/>
-              <a:ea typeface="이사만루체 Light" panose="00000300000000000000" pitchFamily="2" charset="-127"/>
-            </a:endParaRPr>
-          </a:p>
-          <a:p>
-            <a:pPr marL="171360" indent="-171360">
-              <a:lnSpc>
-                <a:spcPct val="100000"/>
-              </a:lnSpc>
-              <a:buClr>
-                <a:srgbClr val="000000"/>
-              </a:buClr>
-              <a:buFont typeface="Noto Sans Symbols"/>
-              <a:buChar char="▪"/>
-              <a:tabLst>
-                <a:tab pos="0" algn="l"/>
-              </a:tabLst>
-            </a:pPr>
-            <a:r>
-              <a:rPr lang="ko-KR" sz="1000" b="0" strike="noStrike" spc="-1" dirty="0">
-                <a:solidFill>
-                  <a:srgbClr val="000000"/>
-                </a:solidFill>
-                <a:latin typeface="이사만루체 Light" panose="00000300000000000000" pitchFamily="2" charset="-127"/>
-                <a:ea typeface="이사만루체 Light" panose="00000300000000000000" pitchFamily="2" charset="-127"/>
-              </a:rPr>
-              <a:t>데이터 분석 위험 식별</a:t>
-            </a:r>
-            <a:endParaRPr lang="en-US" sz="1000" b="0" strike="noStrike" spc="-1" dirty="0">
-              <a:latin typeface="이사만루체 Light" panose="00000300000000000000" pitchFamily="2" charset="-127"/>
-              <a:ea typeface="이사만루체 Light" panose="00000300000000000000" pitchFamily="2" charset="-127"/>
-            </a:endParaRPr>
-          </a:p>
-          <a:p>
-            <a:pPr marL="171360" indent="-171360">
-              <a:lnSpc>
-                <a:spcPct val="100000"/>
-              </a:lnSpc>
-              <a:buClr>
-                <a:srgbClr val="000000"/>
-              </a:buClr>
-              <a:buFont typeface="Noto Sans Symbols"/>
-              <a:buChar char="▪"/>
-              <a:tabLst>
-                <a:tab pos="0" algn="l"/>
-              </a:tabLst>
-            </a:pPr>
-            <a:r>
-              <a:rPr lang="ko-KR" sz="1000" b="0" strike="noStrike" spc="-1" dirty="0">
-                <a:solidFill>
-                  <a:srgbClr val="000000"/>
-                </a:solidFill>
-                <a:latin typeface="이사만루체 Light" panose="00000300000000000000" pitchFamily="2" charset="-127"/>
-                <a:ea typeface="이사만루체 Light" panose="00000300000000000000" pitchFamily="2" charset="-127"/>
-              </a:rPr>
-              <a:t>위험 대응계획수립</a:t>
-            </a:r>
-            <a:endParaRPr lang="en-US" sz="1000" b="0" strike="noStrike" spc="-1" dirty="0">
-              <a:latin typeface="이사만루체 Light" panose="00000300000000000000" pitchFamily="2" charset="-127"/>
-              <a:ea typeface="이사만루체 Light" panose="00000300000000000000" pitchFamily="2" charset="-127"/>
-            </a:endParaRPr>
-          </a:p>
-        </p:txBody>
-      </p:sp>
-      <p:sp>
-        <p:nvSpPr>
-          <p:cNvPr id="6" name="Google Shape;166;p22">
-            <a:extLst>
-              <a:ext uri="{FF2B5EF4-FFF2-40B4-BE49-F238E27FC236}">
-                <a16:creationId xmlns:a16="http://schemas.microsoft.com/office/drawing/2014/main" id="{C1FFC301-85EC-351A-17FA-C47B2CE25688}"/>
-              </a:ext>
-            </a:extLst>
-          </p:cNvPr>
-          <p:cNvSpPr/>
-          <p:nvPr/>
-        </p:nvSpPr>
-        <p:spPr>
-          <a:xfrm>
-            <a:off x="3200400" y="2241000"/>
-            <a:ext cx="2221560" cy="2181960"/>
-          </a:xfrm>
-          <a:prstGeom prst="rect">
-            <a:avLst/>
-          </a:prstGeom>
-          <a:gradFill rotWithShape="0">
-            <a:gsLst>
-              <a:gs pos="0">
-                <a:srgbClr val="F2F2F2"/>
-              </a:gs>
-              <a:gs pos="50000">
-                <a:srgbClr val="E6E6E6"/>
-              </a:gs>
-              <a:gs pos="100000">
-                <a:srgbClr val="F2F2F2"/>
-              </a:gs>
-            </a:gsLst>
-            <a:lin ang="5400000"/>
-          </a:gradFill>
-          <a:ln w="9525">
-            <a:solidFill>
-              <a:srgbClr val="A5A5A5"/>
-            </a:solidFill>
-            <a:miter/>
-          </a:ln>
-        </p:spPr>
-        <p:style>
-          <a:lnRef idx="0">
-            <a:scrgbClr r="0" g="0" b="0"/>
-          </a:lnRef>
-          <a:fillRef idx="0">
-            <a:scrgbClr r="0" g="0" b="0"/>
-          </a:fillRef>
-          <a:effectRef idx="0">
-            <a:scrgbClr r="0" g="0" b="0"/>
-          </a:effectRef>
-          <a:fontRef idx="minor"/>
-        </p:style>
-        <p:txBody>
-          <a:bodyPr lIns="90000" tIns="45000" rIns="90000" bIns="45000" anchor="t">
-            <a:noAutofit/>
-          </a:bodyPr>
-          <a:lstStyle/>
-          <a:p>
-            <a:pPr>
-              <a:lnSpc>
-                <a:spcPct val="100000"/>
-              </a:lnSpc>
-              <a:tabLst>
-                <a:tab pos="0" algn="l"/>
-              </a:tabLst>
-            </a:pPr>
-            <a:r>
-              <a:rPr lang="ko-KR" sz="1000" b="1" strike="noStrike" spc="-1">
-                <a:solidFill>
-                  <a:srgbClr val="000000"/>
-                </a:solidFill>
-                <a:latin typeface="이사만루체 Light" panose="00000300000000000000" pitchFamily="2" charset="-127"/>
-                <a:ea typeface="이사만루체 Light" panose="00000300000000000000" pitchFamily="2" charset="-127"/>
-              </a:rPr>
-              <a:t>요구사항에 맞는 데이터를 정의하고 데이터 수집</a:t>
-            </a:r>
-            <a:r>
-              <a:rPr lang="en-US" sz="1000" b="1" strike="noStrike" spc="-1">
-                <a:solidFill>
-                  <a:srgbClr val="000000"/>
-                </a:solidFill>
-                <a:latin typeface="이사만루체 Light" panose="00000300000000000000" pitchFamily="2" charset="-127"/>
-                <a:ea typeface="이사만루체 Light" panose="00000300000000000000" pitchFamily="2" charset="-127"/>
-              </a:rPr>
-              <a:t>, </a:t>
-            </a:r>
-            <a:r>
-              <a:rPr lang="ko-KR" sz="1000" b="1" strike="noStrike" spc="-1">
-                <a:solidFill>
-                  <a:srgbClr val="000000"/>
-                </a:solidFill>
-                <a:latin typeface="이사만루체 Light" panose="00000300000000000000" pitchFamily="2" charset="-127"/>
-                <a:ea typeface="이사만루체 Light" panose="00000300000000000000" pitchFamily="2" charset="-127"/>
-              </a:rPr>
-              <a:t>데이터 스토어 설계 과정</a:t>
-            </a:r>
-            <a:endParaRPr lang="en-US" sz="1000" b="0" strike="noStrike" spc="-1">
-              <a:latin typeface="이사만루체 Light" panose="00000300000000000000" pitchFamily="2" charset="-127"/>
-              <a:ea typeface="이사만루체 Light" panose="00000300000000000000" pitchFamily="2" charset="-127"/>
-            </a:endParaRPr>
-          </a:p>
-          <a:p>
-            <a:pPr>
-              <a:lnSpc>
-                <a:spcPct val="90000"/>
-              </a:lnSpc>
-              <a:tabLst>
-                <a:tab pos="0" algn="l"/>
-              </a:tabLst>
-            </a:pPr>
-            <a:endParaRPr lang="en-US" sz="1000" b="0" strike="noStrike" spc="-1">
-              <a:latin typeface="이사만루체 Light" panose="00000300000000000000" pitchFamily="2" charset="-127"/>
-              <a:ea typeface="이사만루체 Light" panose="00000300000000000000" pitchFamily="2" charset="-127"/>
-            </a:endParaRPr>
-          </a:p>
-          <a:p>
-            <a:pPr marL="171360" indent="-171360">
-              <a:lnSpc>
-                <a:spcPct val="100000"/>
-              </a:lnSpc>
-              <a:buClr>
-                <a:srgbClr val="000000"/>
-              </a:buClr>
-              <a:buFont typeface="Noto Sans Symbols"/>
-              <a:buChar char="▪"/>
-              <a:tabLst>
-                <a:tab pos="0" algn="l"/>
-              </a:tabLst>
-            </a:pPr>
-            <a:r>
-              <a:rPr lang="ko-KR" sz="1000" b="0" strike="noStrike" spc="-1">
-                <a:solidFill>
-                  <a:srgbClr val="000000"/>
-                </a:solidFill>
-                <a:latin typeface="이사만루체 Light" panose="00000300000000000000" pitchFamily="2" charset="-127"/>
-                <a:ea typeface="이사만루체 Light" panose="00000300000000000000" pitchFamily="2" charset="-127"/>
-              </a:rPr>
-              <a:t>데이터정의</a:t>
-            </a:r>
-            <a:endParaRPr lang="en-US" sz="1000" b="0" strike="noStrike" spc="-1">
-              <a:latin typeface="이사만루체 Light" panose="00000300000000000000" pitchFamily="2" charset="-127"/>
-              <a:ea typeface="이사만루체 Light" panose="00000300000000000000" pitchFamily="2" charset="-127"/>
-            </a:endParaRPr>
-          </a:p>
-          <a:p>
-            <a:pPr marL="171360" indent="-171360">
-              <a:lnSpc>
-                <a:spcPct val="100000"/>
-              </a:lnSpc>
-              <a:buClr>
-                <a:srgbClr val="000000"/>
-              </a:buClr>
-              <a:buFont typeface="Noto Sans Symbols"/>
-              <a:buChar char="▪"/>
-              <a:tabLst>
-                <a:tab pos="0" algn="l"/>
-              </a:tabLst>
-            </a:pPr>
-            <a:r>
-              <a:rPr lang="ko-KR" sz="1000" b="0" strike="noStrike" spc="-1">
-                <a:solidFill>
-                  <a:srgbClr val="000000"/>
-                </a:solidFill>
-                <a:latin typeface="이사만루체 Light" panose="00000300000000000000" pitchFamily="2" charset="-127"/>
-                <a:ea typeface="이사만루체 Light" panose="00000300000000000000" pitchFamily="2" charset="-127"/>
-              </a:rPr>
-              <a:t>데이터획득방안수립</a:t>
-            </a:r>
-            <a:endParaRPr lang="en-US" sz="1000" b="0" strike="noStrike" spc="-1">
-              <a:latin typeface="이사만루체 Light" panose="00000300000000000000" pitchFamily="2" charset="-127"/>
-              <a:ea typeface="이사만루체 Light" panose="00000300000000000000" pitchFamily="2" charset="-127"/>
-            </a:endParaRPr>
-          </a:p>
-          <a:p>
-            <a:pPr marL="171360" indent="-171360">
-              <a:lnSpc>
-                <a:spcPct val="100000"/>
-              </a:lnSpc>
-              <a:buClr>
-                <a:srgbClr val="000000"/>
-              </a:buClr>
-              <a:buFont typeface="Noto Sans Symbols"/>
-              <a:buChar char="▪"/>
-              <a:tabLst>
-                <a:tab pos="0" algn="l"/>
-              </a:tabLst>
-            </a:pPr>
-            <a:r>
-              <a:rPr lang="ko-KR" sz="1000" b="0" strike="noStrike" spc="-1">
-                <a:solidFill>
-                  <a:srgbClr val="000000"/>
-                </a:solidFill>
-                <a:latin typeface="이사만루체 Light" panose="00000300000000000000" pitchFamily="2" charset="-127"/>
-                <a:ea typeface="이사만루체 Light" panose="00000300000000000000" pitchFamily="2" charset="-127"/>
-              </a:rPr>
-              <a:t>정형데이터스토어 설계</a:t>
-            </a:r>
-            <a:endParaRPr lang="en-US" sz="1000" b="0" strike="noStrike" spc="-1">
-              <a:latin typeface="이사만루체 Light" panose="00000300000000000000" pitchFamily="2" charset="-127"/>
-              <a:ea typeface="이사만루체 Light" panose="00000300000000000000" pitchFamily="2" charset="-127"/>
-            </a:endParaRPr>
-          </a:p>
-          <a:p>
-            <a:pPr marL="171360" indent="-171360">
-              <a:lnSpc>
-                <a:spcPct val="100000"/>
-              </a:lnSpc>
-              <a:buClr>
-                <a:srgbClr val="000000"/>
-              </a:buClr>
-              <a:buFont typeface="Noto Sans Symbols"/>
-              <a:buChar char="▪"/>
-              <a:tabLst>
-                <a:tab pos="0" algn="l"/>
-              </a:tabLst>
-            </a:pPr>
-            <a:r>
-              <a:rPr lang="ko-KR" sz="1000" b="0" strike="noStrike" spc="-1">
-                <a:solidFill>
-                  <a:srgbClr val="000000"/>
-                </a:solidFill>
-                <a:latin typeface="이사만루체 Light" panose="00000300000000000000" pitchFamily="2" charset="-127"/>
-                <a:ea typeface="이사만루체 Light" panose="00000300000000000000" pitchFamily="2" charset="-127"/>
-              </a:rPr>
-              <a:t>비정형데이터스토어 설계</a:t>
-            </a:r>
-            <a:endParaRPr lang="en-US" sz="1000" b="0" strike="noStrike" spc="-1">
-              <a:latin typeface="이사만루체 Light" panose="00000300000000000000" pitchFamily="2" charset="-127"/>
-              <a:ea typeface="이사만루체 Light" panose="00000300000000000000" pitchFamily="2" charset="-127"/>
-            </a:endParaRPr>
-          </a:p>
-          <a:p>
-            <a:pPr marL="171360" indent="-171360">
-              <a:lnSpc>
-                <a:spcPct val="100000"/>
-              </a:lnSpc>
-              <a:buClr>
-                <a:srgbClr val="000000"/>
-              </a:buClr>
-              <a:buFont typeface="Noto Sans Symbols"/>
-              <a:buChar char="▪"/>
-              <a:tabLst>
-                <a:tab pos="0" algn="l"/>
-              </a:tabLst>
-            </a:pPr>
-            <a:r>
-              <a:rPr lang="ko-KR" sz="1000" b="0" strike="noStrike" spc="-1">
-                <a:solidFill>
-                  <a:srgbClr val="000000"/>
-                </a:solidFill>
-                <a:latin typeface="이사만루체 Light" panose="00000300000000000000" pitchFamily="2" charset="-127"/>
-                <a:ea typeface="이사만루체 Light" panose="00000300000000000000" pitchFamily="2" charset="-127"/>
-              </a:rPr>
-              <a:t>데이터 수집 및 저장</a:t>
-            </a:r>
-            <a:endParaRPr lang="en-US" sz="1000" b="0" strike="noStrike" spc="-1">
-              <a:latin typeface="이사만루체 Light" panose="00000300000000000000" pitchFamily="2" charset="-127"/>
-              <a:ea typeface="이사만루체 Light" panose="00000300000000000000" pitchFamily="2" charset="-127"/>
-            </a:endParaRPr>
-          </a:p>
-          <a:p>
-            <a:pPr marL="171360" indent="-171360">
-              <a:lnSpc>
-                <a:spcPct val="100000"/>
-              </a:lnSpc>
-              <a:buClr>
-                <a:srgbClr val="000000"/>
-              </a:buClr>
-              <a:buFont typeface="Noto Sans Symbols"/>
-              <a:buChar char="▪"/>
-              <a:tabLst>
-                <a:tab pos="0" algn="l"/>
-              </a:tabLst>
-            </a:pPr>
-            <a:r>
-              <a:rPr lang="ko-KR" sz="1000" b="0" strike="noStrike" spc="-1">
-                <a:solidFill>
-                  <a:srgbClr val="000000"/>
-                </a:solidFill>
-                <a:latin typeface="이사만루체 Light" panose="00000300000000000000" pitchFamily="2" charset="-127"/>
-                <a:ea typeface="이사만루체 Light" panose="00000300000000000000" pitchFamily="2" charset="-127"/>
-              </a:rPr>
-              <a:t>데이터 정합성 검증</a:t>
-            </a:r>
-            <a:endParaRPr lang="en-US" sz="1000" b="0" strike="noStrike" spc="-1">
-              <a:latin typeface="이사만루체 Light" panose="00000300000000000000" pitchFamily="2" charset="-127"/>
-              <a:ea typeface="이사만루체 Light" panose="00000300000000000000" pitchFamily="2" charset="-127"/>
-            </a:endParaRPr>
-          </a:p>
-        </p:txBody>
-      </p:sp>
-      <p:sp>
-        <p:nvSpPr>
-          <p:cNvPr id="7" name="Google Shape;167;p22">
-            <a:extLst>
-              <a:ext uri="{FF2B5EF4-FFF2-40B4-BE49-F238E27FC236}">
-                <a16:creationId xmlns:a16="http://schemas.microsoft.com/office/drawing/2014/main" id="{505A2943-2E0E-8A39-17CB-95F408B3C6F2}"/>
-              </a:ext>
-            </a:extLst>
-          </p:cNvPr>
-          <p:cNvSpPr/>
-          <p:nvPr/>
-        </p:nvSpPr>
-        <p:spPr>
-          <a:xfrm>
-            <a:off x="5493240" y="2241000"/>
-            <a:ext cx="2525760" cy="2181960"/>
-          </a:xfrm>
-          <a:prstGeom prst="rect">
-            <a:avLst/>
-          </a:prstGeom>
-          <a:gradFill rotWithShape="0">
-            <a:gsLst>
-              <a:gs pos="0">
-                <a:srgbClr val="F2F2F2"/>
-              </a:gs>
-              <a:gs pos="50000">
-                <a:srgbClr val="E6E6E6"/>
-              </a:gs>
-              <a:gs pos="100000">
-                <a:srgbClr val="F2F2F2"/>
-              </a:gs>
-            </a:gsLst>
-            <a:lin ang="5400000"/>
-          </a:gradFill>
-          <a:ln w="9525">
-            <a:solidFill>
-              <a:srgbClr val="A5A5A5"/>
-            </a:solidFill>
-            <a:miter/>
-          </a:ln>
-        </p:spPr>
-        <p:style>
-          <a:lnRef idx="0">
-            <a:scrgbClr r="0" g="0" b="0"/>
-          </a:lnRef>
-          <a:fillRef idx="0">
-            <a:scrgbClr r="0" g="0" b="0"/>
-          </a:fillRef>
-          <a:effectRef idx="0">
-            <a:scrgbClr r="0" g="0" b="0"/>
-          </a:effectRef>
-          <a:fontRef idx="minor"/>
-        </p:style>
-        <p:txBody>
-          <a:bodyPr lIns="90000" tIns="45000" rIns="90000" bIns="45000" anchor="t">
-            <a:noAutofit/>
-          </a:bodyPr>
-          <a:lstStyle/>
-          <a:p>
-            <a:pPr>
-              <a:lnSpc>
-                <a:spcPct val="100000"/>
-              </a:lnSpc>
-              <a:tabLst>
-                <a:tab pos="0" algn="l"/>
-              </a:tabLst>
-            </a:pPr>
-            <a:r>
-              <a:rPr lang="ko-KR" sz="1000" b="1" strike="noStrike" spc="-1">
-                <a:solidFill>
-                  <a:srgbClr val="000000"/>
-                </a:solidFill>
-                <a:latin typeface="이사만루체 Light" panose="00000300000000000000" pitchFamily="2" charset="-127"/>
-                <a:ea typeface="이사만루체 Light" panose="00000300000000000000" pitchFamily="2" charset="-127"/>
-              </a:rPr>
-              <a:t>데이터 구조 및 화면 개발</a:t>
-            </a:r>
-            <a:endParaRPr lang="en-US" sz="1000" b="0" strike="noStrike" spc="-1">
-              <a:latin typeface="이사만루체 Light" panose="00000300000000000000" pitchFamily="2" charset="-127"/>
-              <a:ea typeface="이사만루체 Light" panose="00000300000000000000" pitchFamily="2" charset="-127"/>
-            </a:endParaRPr>
-          </a:p>
-          <a:p>
-            <a:pPr>
-              <a:lnSpc>
-                <a:spcPct val="100000"/>
-              </a:lnSpc>
-              <a:tabLst>
-                <a:tab pos="0" algn="l"/>
-              </a:tabLst>
-            </a:pPr>
-            <a:endParaRPr lang="en-US" sz="1000" b="0" strike="noStrike" spc="-1">
-              <a:latin typeface="이사만루체 Light" panose="00000300000000000000" pitchFamily="2" charset="-127"/>
-              <a:ea typeface="이사만루체 Light" panose="00000300000000000000" pitchFamily="2" charset="-127"/>
-            </a:endParaRPr>
-          </a:p>
-          <a:p>
-            <a:pPr marL="171360" indent="-171360">
-              <a:lnSpc>
-                <a:spcPct val="100000"/>
-              </a:lnSpc>
-              <a:buClr>
-                <a:srgbClr val="000000"/>
-              </a:buClr>
-              <a:buFont typeface="Noto Sans Symbols"/>
-              <a:buChar char="▪"/>
-              <a:tabLst>
-                <a:tab pos="0" algn="l"/>
-              </a:tabLst>
-            </a:pPr>
-            <a:r>
-              <a:rPr lang="ko-KR" sz="1000" b="0" strike="noStrike" spc="-1">
-                <a:solidFill>
-                  <a:srgbClr val="000000"/>
-                </a:solidFill>
-                <a:latin typeface="이사만루체 Light" panose="00000300000000000000" pitchFamily="2" charset="-127"/>
-                <a:ea typeface="이사만루체 Light" panose="00000300000000000000" pitchFamily="2" charset="-127"/>
-              </a:rPr>
-              <a:t>비즈니스 룰 확인</a:t>
-            </a:r>
-            <a:endParaRPr lang="en-US" sz="1000" b="0" strike="noStrike" spc="-1">
-              <a:latin typeface="이사만루체 Light" panose="00000300000000000000" pitchFamily="2" charset="-127"/>
-              <a:ea typeface="이사만루체 Light" panose="00000300000000000000" pitchFamily="2" charset="-127"/>
-            </a:endParaRPr>
-          </a:p>
-          <a:p>
-            <a:pPr marL="171360" indent="-171360">
-              <a:lnSpc>
-                <a:spcPct val="100000"/>
-              </a:lnSpc>
-              <a:buClr>
-                <a:srgbClr val="000000"/>
-              </a:buClr>
-              <a:buFont typeface="Noto Sans Symbols"/>
-              <a:buChar char="▪"/>
-              <a:tabLst>
-                <a:tab pos="0" algn="l"/>
-              </a:tabLst>
-            </a:pPr>
-            <a:r>
-              <a:rPr lang="ko-KR" sz="1000" b="0" strike="noStrike" spc="-1">
-                <a:solidFill>
-                  <a:srgbClr val="000000"/>
-                </a:solidFill>
-                <a:latin typeface="이사만루체 Light" panose="00000300000000000000" pitchFamily="2" charset="-127"/>
-                <a:ea typeface="이사만루체 Light" panose="00000300000000000000" pitchFamily="2" charset="-127"/>
-              </a:rPr>
-              <a:t>분석용데이터 셑 준비</a:t>
-            </a:r>
-            <a:endParaRPr lang="en-US" sz="1000" b="0" strike="noStrike" spc="-1">
-              <a:latin typeface="이사만루체 Light" panose="00000300000000000000" pitchFamily="2" charset="-127"/>
-              <a:ea typeface="이사만루체 Light" panose="00000300000000000000" pitchFamily="2" charset="-127"/>
-            </a:endParaRPr>
-          </a:p>
-          <a:p>
-            <a:pPr marL="171360" indent="-171360">
-              <a:lnSpc>
-                <a:spcPct val="100000"/>
-              </a:lnSpc>
-              <a:buClr>
-                <a:srgbClr val="000000"/>
-              </a:buClr>
-              <a:buFont typeface="Noto Sans Symbols"/>
-              <a:buChar char="▪"/>
-              <a:tabLst>
-                <a:tab pos="0" algn="l"/>
-              </a:tabLst>
-            </a:pPr>
-            <a:r>
-              <a:rPr lang="ko-KR" sz="1000" b="0" strike="noStrike" spc="-1">
-                <a:solidFill>
-                  <a:srgbClr val="000000"/>
-                </a:solidFill>
-                <a:latin typeface="이사만루체 Light" panose="00000300000000000000" pitchFamily="2" charset="-127"/>
-                <a:ea typeface="이사만루체 Light" panose="00000300000000000000" pitchFamily="2" charset="-127"/>
-              </a:rPr>
-              <a:t>텍스트 데이터 확인 및 추출</a:t>
-            </a:r>
-            <a:endParaRPr lang="en-US" sz="1000" b="0" strike="noStrike" spc="-1">
-              <a:latin typeface="이사만루체 Light" panose="00000300000000000000" pitchFamily="2" charset="-127"/>
-              <a:ea typeface="이사만루체 Light" panose="00000300000000000000" pitchFamily="2" charset="-127"/>
-            </a:endParaRPr>
-          </a:p>
-          <a:p>
-            <a:pPr marL="171360" indent="-171360">
-              <a:lnSpc>
-                <a:spcPct val="100000"/>
-              </a:lnSpc>
-              <a:buClr>
-                <a:srgbClr val="000000"/>
-              </a:buClr>
-              <a:buFont typeface="Noto Sans Symbols"/>
-              <a:buChar char="▪"/>
-              <a:tabLst>
-                <a:tab pos="0" algn="l"/>
-              </a:tabLst>
-            </a:pPr>
-            <a:r>
-              <a:rPr lang="ko-KR" sz="1000" b="0" strike="noStrike" spc="-1">
-                <a:solidFill>
-                  <a:srgbClr val="000000"/>
-                </a:solidFill>
-                <a:latin typeface="이사만루체 Light" panose="00000300000000000000" pitchFamily="2" charset="-127"/>
-                <a:ea typeface="이사만루체 Light" panose="00000300000000000000" pitchFamily="2" charset="-127"/>
-              </a:rPr>
-              <a:t>텍스트 데이터 분석</a:t>
-            </a:r>
-            <a:endParaRPr lang="en-US" sz="1000" b="0" strike="noStrike" spc="-1">
-              <a:latin typeface="이사만루체 Light" panose="00000300000000000000" pitchFamily="2" charset="-127"/>
-              <a:ea typeface="이사만루체 Light" panose="00000300000000000000" pitchFamily="2" charset="-127"/>
-            </a:endParaRPr>
-          </a:p>
-          <a:p>
-            <a:pPr marL="171360" indent="-171360">
-              <a:lnSpc>
-                <a:spcPct val="100000"/>
-              </a:lnSpc>
-              <a:buClr>
-                <a:srgbClr val="000000"/>
-              </a:buClr>
-              <a:buFont typeface="Noto Sans Symbols"/>
-              <a:buChar char="▪"/>
-              <a:tabLst>
-                <a:tab pos="0" algn="l"/>
-              </a:tabLst>
-            </a:pPr>
-            <a:r>
-              <a:rPr lang="ko-KR" sz="1000" b="0" strike="noStrike" spc="-1">
-                <a:solidFill>
-                  <a:srgbClr val="000000"/>
-                </a:solidFill>
-                <a:latin typeface="이사만루체 Light" panose="00000300000000000000" pitchFamily="2" charset="-127"/>
-                <a:ea typeface="이사만루체 Light" panose="00000300000000000000" pitchFamily="2" charset="-127"/>
-              </a:rPr>
-              <a:t>탐색적데이터 분석</a:t>
-            </a:r>
-            <a:endParaRPr lang="en-US" sz="1000" b="0" strike="noStrike" spc="-1">
-              <a:latin typeface="이사만루체 Light" panose="00000300000000000000" pitchFamily="2" charset="-127"/>
-              <a:ea typeface="이사만루체 Light" panose="00000300000000000000" pitchFamily="2" charset="-127"/>
-            </a:endParaRPr>
-          </a:p>
-          <a:p>
-            <a:pPr marL="171360" indent="-171360">
-              <a:lnSpc>
-                <a:spcPct val="100000"/>
-              </a:lnSpc>
-              <a:buClr>
-                <a:srgbClr val="000000"/>
-              </a:buClr>
-              <a:buFont typeface="Noto Sans Symbols"/>
-              <a:buChar char="▪"/>
-              <a:tabLst>
-                <a:tab pos="0" algn="l"/>
-              </a:tabLst>
-            </a:pPr>
-            <a:r>
-              <a:rPr lang="ko-KR" sz="1000" b="0" strike="noStrike" spc="-1">
-                <a:solidFill>
-                  <a:srgbClr val="000000"/>
-                </a:solidFill>
-                <a:latin typeface="이사만루체 Light" panose="00000300000000000000" pitchFamily="2" charset="-127"/>
-                <a:ea typeface="이사만루체 Light" panose="00000300000000000000" pitchFamily="2" charset="-127"/>
-              </a:rPr>
-              <a:t>데이터 시각화</a:t>
-            </a:r>
-            <a:endParaRPr lang="en-US" sz="1000" b="0" strike="noStrike" spc="-1">
-              <a:latin typeface="이사만루체 Light" panose="00000300000000000000" pitchFamily="2" charset="-127"/>
-              <a:ea typeface="이사만루체 Light" panose="00000300000000000000" pitchFamily="2" charset="-127"/>
-            </a:endParaRPr>
-          </a:p>
-          <a:p>
-            <a:pPr marL="171360" indent="-171360">
-              <a:lnSpc>
-                <a:spcPct val="100000"/>
-              </a:lnSpc>
-              <a:buClr>
-                <a:srgbClr val="000000"/>
-              </a:buClr>
-              <a:buFont typeface="Noto Sans Symbols"/>
-              <a:buChar char="▪"/>
-              <a:tabLst>
-                <a:tab pos="0" algn="l"/>
-              </a:tabLst>
-            </a:pPr>
-            <a:r>
-              <a:rPr lang="ko-KR" sz="1000" b="0" strike="noStrike" spc="-1">
-                <a:solidFill>
-                  <a:srgbClr val="000000"/>
-                </a:solidFill>
-                <a:latin typeface="이사만루체 Light" panose="00000300000000000000" pitchFamily="2" charset="-127"/>
-                <a:ea typeface="이사만루체 Light" panose="00000300000000000000" pitchFamily="2" charset="-127"/>
-              </a:rPr>
-              <a:t>데이터분할</a:t>
-            </a:r>
-            <a:endParaRPr lang="en-US" sz="1000" b="0" strike="noStrike" spc="-1">
-              <a:latin typeface="이사만루체 Light" panose="00000300000000000000" pitchFamily="2" charset="-127"/>
-              <a:ea typeface="이사만루체 Light" panose="00000300000000000000" pitchFamily="2" charset="-127"/>
-            </a:endParaRPr>
-          </a:p>
-          <a:p>
-            <a:pPr marL="171360" indent="-171360">
-              <a:lnSpc>
-                <a:spcPct val="100000"/>
-              </a:lnSpc>
-              <a:buClr>
-                <a:srgbClr val="000000"/>
-              </a:buClr>
-              <a:buFont typeface="Noto Sans Symbols"/>
-              <a:buChar char="▪"/>
-              <a:tabLst>
-                <a:tab pos="0" algn="l"/>
-              </a:tabLst>
-            </a:pPr>
-            <a:r>
-              <a:rPr lang="ko-KR" sz="1000" b="0" strike="noStrike" spc="-1">
-                <a:solidFill>
-                  <a:srgbClr val="000000"/>
-                </a:solidFill>
-                <a:latin typeface="이사만루체 Light" panose="00000300000000000000" pitchFamily="2" charset="-127"/>
-                <a:ea typeface="이사만루체 Light" panose="00000300000000000000" pitchFamily="2" charset="-127"/>
-              </a:rPr>
-              <a:t>데이터모델링</a:t>
-            </a:r>
-            <a:endParaRPr lang="en-US" sz="1000" b="0" strike="noStrike" spc="-1">
-              <a:latin typeface="이사만루체 Light" panose="00000300000000000000" pitchFamily="2" charset="-127"/>
-              <a:ea typeface="이사만루체 Light" panose="00000300000000000000" pitchFamily="2" charset="-127"/>
-            </a:endParaRPr>
-          </a:p>
-          <a:p>
-            <a:pPr marL="171360" indent="-171360">
-              <a:lnSpc>
-                <a:spcPct val="100000"/>
-              </a:lnSpc>
-              <a:buClr>
-                <a:srgbClr val="000000"/>
-              </a:buClr>
-              <a:buFont typeface="Noto Sans Symbols"/>
-              <a:buChar char="▪"/>
-              <a:tabLst>
-                <a:tab pos="0" algn="l"/>
-              </a:tabLst>
-            </a:pPr>
-            <a:r>
-              <a:rPr lang="ko-KR" sz="1000" b="0" strike="noStrike" spc="-1">
-                <a:solidFill>
-                  <a:srgbClr val="000000"/>
-                </a:solidFill>
-                <a:latin typeface="이사만루체 Light" panose="00000300000000000000" pitchFamily="2" charset="-127"/>
-                <a:ea typeface="이사만루체 Light" panose="00000300000000000000" pitchFamily="2" charset="-127"/>
-              </a:rPr>
-              <a:t>모델 적용 및 운영방안</a:t>
-            </a:r>
-            <a:endParaRPr lang="en-US" sz="1000" b="0" strike="noStrike" spc="-1">
-              <a:latin typeface="이사만루체 Light" panose="00000300000000000000" pitchFamily="2" charset="-127"/>
-              <a:ea typeface="이사만루체 Light" panose="00000300000000000000" pitchFamily="2" charset="-127"/>
-            </a:endParaRPr>
-          </a:p>
-          <a:p>
-            <a:pPr marL="171360" indent="-171360">
-              <a:lnSpc>
-                <a:spcPct val="100000"/>
-              </a:lnSpc>
-              <a:buClr>
-                <a:srgbClr val="000000"/>
-              </a:buClr>
-              <a:buFont typeface="Noto Sans Symbols"/>
-              <a:buChar char="▪"/>
-              <a:tabLst>
-                <a:tab pos="0" algn="l"/>
-              </a:tabLst>
-            </a:pPr>
-            <a:r>
-              <a:rPr lang="ko-KR" sz="1000" b="0" strike="noStrike" spc="-1">
-                <a:solidFill>
-                  <a:srgbClr val="000000"/>
-                </a:solidFill>
-                <a:latin typeface="이사만루체 Light" panose="00000300000000000000" pitchFamily="2" charset="-127"/>
-                <a:ea typeface="이사만루체 Light" panose="00000300000000000000" pitchFamily="2" charset="-127"/>
-              </a:rPr>
-              <a:t>모델 평가</a:t>
-            </a:r>
-            <a:endParaRPr lang="en-US" sz="1000" b="0" strike="noStrike" spc="-1">
-              <a:latin typeface="이사만루체 Light" panose="00000300000000000000" pitchFamily="2" charset="-127"/>
-              <a:ea typeface="이사만루체 Light" panose="00000300000000000000" pitchFamily="2" charset="-127"/>
-            </a:endParaRPr>
-          </a:p>
-          <a:p>
-            <a:pPr marL="171360" indent="-171360">
-              <a:lnSpc>
-                <a:spcPct val="100000"/>
-              </a:lnSpc>
-              <a:buClr>
-                <a:srgbClr val="000000"/>
-              </a:buClr>
-              <a:buFont typeface="Noto Sans Symbols"/>
-              <a:buChar char="▪"/>
-              <a:tabLst>
-                <a:tab pos="0" algn="l"/>
-              </a:tabLst>
-            </a:pPr>
-            <a:r>
-              <a:rPr lang="ko-KR" sz="1000" b="0" strike="noStrike" spc="-1">
-                <a:solidFill>
-                  <a:srgbClr val="000000"/>
-                </a:solidFill>
-                <a:latin typeface="이사만루체 Light" panose="00000300000000000000" pitchFamily="2" charset="-127"/>
-                <a:ea typeface="이사만루체 Light" panose="00000300000000000000" pitchFamily="2" charset="-127"/>
-              </a:rPr>
-              <a:t>모델 검증</a:t>
-            </a:r>
-            <a:endParaRPr lang="en-US" sz="1000" b="0" strike="noStrike" spc="-1">
-              <a:latin typeface="이사만루체 Light" panose="00000300000000000000" pitchFamily="2" charset="-127"/>
-              <a:ea typeface="이사만루체 Light" panose="00000300000000000000" pitchFamily="2" charset="-127"/>
-            </a:endParaRPr>
-          </a:p>
-        </p:txBody>
-      </p:sp>
-      <p:sp>
-        <p:nvSpPr>
-          <p:cNvPr id="8" name="Google Shape;168;p22">
-            <a:extLst>
-              <a:ext uri="{FF2B5EF4-FFF2-40B4-BE49-F238E27FC236}">
-                <a16:creationId xmlns:a16="http://schemas.microsoft.com/office/drawing/2014/main" id="{D94211EB-F25C-8F13-8978-E94C21392203}"/>
-              </a:ext>
-            </a:extLst>
-          </p:cNvPr>
-          <p:cNvSpPr/>
-          <p:nvPr/>
-        </p:nvSpPr>
-        <p:spPr>
-          <a:xfrm>
-            <a:off x="8095680" y="2241000"/>
-            <a:ext cx="1484280" cy="2181960"/>
-          </a:xfrm>
-          <a:prstGeom prst="rect">
-            <a:avLst/>
-          </a:prstGeom>
-          <a:gradFill rotWithShape="0">
-            <a:gsLst>
-              <a:gs pos="0">
-                <a:srgbClr val="F2F2F2"/>
-              </a:gs>
-              <a:gs pos="50000">
-                <a:srgbClr val="E6E6E6"/>
-              </a:gs>
-              <a:gs pos="100000">
-                <a:srgbClr val="F2F2F2"/>
-              </a:gs>
-            </a:gsLst>
-            <a:lin ang="5400000"/>
-          </a:gradFill>
-          <a:ln w="9525">
-            <a:solidFill>
-              <a:srgbClr val="A5A5A5"/>
-            </a:solidFill>
-            <a:miter/>
-          </a:ln>
-        </p:spPr>
-        <p:style>
-          <a:lnRef idx="0">
-            <a:scrgbClr r="0" g="0" b="0"/>
-          </a:lnRef>
-          <a:fillRef idx="0">
-            <a:scrgbClr r="0" g="0" b="0"/>
-          </a:fillRef>
-          <a:effectRef idx="0">
-            <a:scrgbClr r="0" g="0" b="0"/>
-          </a:effectRef>
-          <a:fontRef idx="minor"/>
-        </p:style>
-        <p:txBody>
-          <a:bodyPr lIns="90000" tIns="45000" rIns="90000" bIns="45000" anchor="t">
-            <a:noAutofit/>
-          </a:bodyPr>
-          <a:lstStyle/>
-          <a:p>
-            <a:pPr>
-              <a:lnSpc>
-                <a:spcPct val="100000"/>
-              </a:lnSpc>
-              <a:tabLst>
-                <a:tab pos="0" algn="l"/>
-              </a:tabLst>
-            </a:pPr>
-            <a:r>
-              <a:rPr lang="ko-KR" sz="1000" b="1" strike="noStrike" spc="-1">
-                <a:solidFill>
-                  <a:srgbClr val="000000"/>
-                </a:solidFill>
-                <a:latin typeface="이사만루체 Light" panose="00000300000000000000" pitchFamily="2" charset="-127"/>
-                <a:ea typeface="이사만루체 Light" panose="00000300000000000000" pitchFamily="2" charset="-127"/>
-              </a:rPr>
-              <a:t>구현된 화면 결과에 대한 통합 테스트</a:t>
-            </a:r>
-            <a:r>
-              <a:rPr lang="en-US" sz="1000" b="1" strike="noStrike" spc="-1">
-                <a:solidFill>
-                  <a:srgbClr val="000000"/>
-                </a:solidFill>
-                <a:latin typeface="이사만루체 Light" panose="00000300000000000000" pitchFamily="2" charset="-127"/>
-                <a:ea typeface="이사만루체 Light" panose="00000300000000000000" pitchFamily="2" charset="-127"/>
-              </a:rPr>
-              <a:t>(</a:t>
-            </a:r>
-            <a:r>
-              <a:rPr lang="ko-KR" sz="1000" b="1" strike="noStrike" spc="-1">
-                <a:solidFill>
-                  <a:srgbClr val="000000"/>
-                </a:solidFill>
-                <a:latin typeface="이사만루체 Light" panose="00000300000000000000" pitchFamily="2" charset="-127"/>
-                <a:ea typeface="이사만루체 Light" panose="00000300000000000000" pitchFamily="2" charset="-127"/>
-              </a:rPr>
-              <a:t>데이터 검증</a:t>
-            </a:r>
-            <a:r>
-              <a:rPr lang="en-US" sz="1000" b="1" strike="noStrike" spc="-1">
-                <a:solidFill>
-                  <a:srgbClr val="000000"/>
-                </a:solidFill>
-                <a:latin typeface="이사만루체 Light" panose="00000300000000000000" pitchFamily="2" charset="-127"/>
-                <a:ea typeface="이사만루체 Light" panose="00000300000000000000" pitchFamily="2" charset="-127"/>
-              </a:rPr>
-              <a:t>) </a:t>
-            </a:r>
-            <a:r>
-              <a:rPr lang="ko-KR" sz="1000" b="1" strike="noStrike" spc="-1">
-                <a:solidFill>
-                  <a:srgbClr val="000000"/>
-                </a:solidFill>
-                <a:latin typeface="이사만루체 Light" panose="00000300000000000000" pitchFamily="2" charset="-127"/>
-                <a:ea typeface="이사만루체 Light" panose="00000300000000000000" pitchFamily="2" charset="-127"/>
-              </a:rPr>
-              <a:t>진행</a:t>
-            </a:r>
-            <a:endParaRPr lang="en-US" sz="1000" b="0" strike="noStrike" spc="-1">
-              <a:latin typeface="이사만루체 Light" panose="00000300000000000000" pitchFamily="2" charset="-127"/>
-              <a:ea typeface="이사만루체 Light" panose="00000300000000000000" pitchFamily="2" charset="-127"/>
-            </a:endParaRPr>
-          </a:p>
-          <a:p>
-            <a:pPr>
-              <a:lnSpc>
-                <a:spcPct val="100000"/>
-              </a:lnSpc>
-              <a:tabLst>
-                <a:tab pos="0" algn="l"/>
-              </a:tabLst>
-            </a:pPr>
-            <a:endParaRPr lang="en-US" sz="1000" b="0" strike="noStrike" spc="-1">
-              <a:latin typeface="이사만루체 Light" panose="00000300000000000000" pitchFamily="2" charset="-127"/>
-              <a:ea typeface="이사만루체 Light" panose="00000300000000000000" pitchFamily="2" charset="-127"/>
-            </a:endParaRPr>
-          </a:p>
-          <a:p>
-            <a:pPr marL="171360" indent="-171360">
-              <a:lnSpc>
-                <a:spcPct val="100000"/>
-              </a:lnSpc>
-              <a:buClr>
-                <a:srgbClr val="000000"/>
-              </a:buClr>
-              <a:buFont typeface="Arial"/>
-              <a:buChar char="•"/>
-              <a:tabLst>
-                <a:tab pos="0" algn="l"/>
-              </a:tabLst>
-            </a:pPr>
-            <a:r>
-              <a:rPr lang="ko-KR" sz="1000" b="0" strike="noStrike" spc="-1">
-                <a:solidFill>
-                  <a:srgbClr val="000000"/>
-                </a:solidFill>
-                <a:latin typeface="이사만루체 Light" panose="00000300000000000000" pitchFamily="2" charset="-127"/>
-                <a:ea typeface="이사만루체 Light" panose="00000300000000000000" pitchFamily="2" charset="-127"/>
-              </a:rPr>
-              <a:t>시스템 분석 및 설계</a:t>
-            </a:r>
-            <a:endParaRPr lang="en-US" sz="1000" b="0" strike="noStrike" spc="-1">
-              <a:latin typeface="이사만루체 Light" panose="00000300000000000000" pitchFamily="2" charset="-127"/>
-              <a:ea typeface="이사만루체 Light" panose="00000300000000000000" pitchFamily="2" charset="-127"/>
-            </a:endParaRPr>
-          </a:p>
-          <a:p>
-            <a:pPr marL="171360" indent="-171360">
-              <a:lnSpc>
-                <a:spcPct val="100000"/>
-              </a:lnSpc>
-              <a:buClr>
-                <a:srgbClr val="000000"/>
-              </a:buClr>
-              <a:buFont typeface="Arial"/>
-              <a:buChar char="•"/>
-              <a:tabLst>
-                <a:tab pos="0" algn="l"/>
-              </a:tabLst>
-            </a:pPr>
-            <a:r>
-              <a:rPr lang="ko-KR" sz="1000" b="0" strike="noStrike" spc="-1">
-                <a:solidFill>
-                  <a:srgbClr val="000000"/>
-                </a:solidFill>
-                <a:latin typeface="이사만루체 Light" panose="00000300000000000000" pitchFamily="2" charset="-127"/>
-                <a:ea typeface="이사만루체 Light" panose="00000300000000000000" pitchFamily="2" charset="-127"/>
-              </a:rPr>
-              <a:t>시스템 구현</a:t>
-            </a:r>
-            <a:endParaRPr lang="en-US" sz="1000" b="0" strike="noStrike" spc="-1">
-              <a:latin typeface="이사만루체 Light" panose="00000300000000000000" pitchFamily="2" charset="-127"/>
-              <a:ea typeface="이사만루체 Light" panose="00000300000000000000" pitchFamily="2" charset="-127"/>
-            </a:endParaRPr>
-          </a:p>
-          <a:p>
-            <a:pPr marL="171360" indent="-171360">
-              <a:lnSpc>
-                <a:spcPct val="100000"/>
-              </a:lnSpc>
-              <a:buClr>
-                <a:srgbClr val="000000"/>
-              </a:buClr>
-              <a:buFont typeface="Arial"/>
-              <a:buChar char="•"/>
-              <a:tabLst>
-                <a:tab pos="0" algn="l"/>
-              </a:tabLst>
-            </a:pPr>
-            <a:r>
-              <a:rPr lang="ko-KR" sz="1000" b="0" strike="noStrike" spc="-1">
-                <a:solidFill>
-                  <a:srgbClr val="000000"/>
-                </a:solidFill>
-                <a:latin typeface="이사만루체 Light" panose="00000300000000000000" pitchFamily="2" charset="-127"/>
-                <a:ea typeface="이사만루체 Light" panose="00000300000000000000" pitchFamily="2" charset="-127"/>
-              </a:rPr>
-              <a:t>시스템테스트</a:t>
-            </a:r>
-            <a:endParaRPr lang="en-US" sz="1000" b="0" strike="noStrike" spc="-1">
-              <a:latin typeface="이사만루체 Light" panose="00000300000000000000" pitchFamily="2" charset="-127"/>
-              <a:ea typeface="이사만루체 Light" panose="00000300000000000000" pitchFamily="2" charset="-127"/>
-            </a:endParaRPr>
-          </a:p>
-          <a:p>
-            <a:pPr marL="171360" indent="-171360">
-              <a:lnSpc>
-                <a:spcPct val="100000"/>
-              </a:lnSpc>
-              <a:buClr>
-                <a:srgbClr val="000000"/>
-              </a:buClr>
-              <a:buFont typeface="Arial"/>
-              <a:buChar char="•"/>
-              <a:tabLst>
-                <a:tab pos="0" algn="l"/>
-              </a:tabLst>
-            </a:pPr>
-            <a:r>
-              <a:rPr lang="ko-KR" sz="1000" b="0" strike="noStrike" spc="-1">
-                <a:solidFill>
-                  <a:srgbClr val="000000"/>
-                </a:solidFill>
-                <a:latin typeface="이사만루체 Light" panose="00000300000000000000" pitchFamily="2" charset="-127"/>
-                <a:ea typeface="이사만루체 Light" panose="00000300000000000000" pitchFamily="2" charset="-127"/>
-              </a:rPr>
-              <a:t>시스템 운영계획</a:t>
-            </a:r>
-            <a:endParaRPr lang="en-US" sz="1000" b="0" strike="noStrike" spc="-1">
-              <a:latin typeface="이사만루체 Light" panose="00000300000000000000" pitchFamily="2" charset="-127"/>
-              <a:ea typeface="이사만루체 Light" panose="00000300000000000000" pitchFamily="2" charset="-127"/>
-            </a:endParaRPr>
-          </a:p>
-          <a:p>
-            <a:pPr>
-              <a:lnSpc>
-                <a:spcPct val="100000"/>
-              </a:lnSpc>
-              <a:tabLst>
-                <a:tab pos="0" algn="l"/>
-              </a:tabLst>
-            </a:pPr>
-            <a:endParaRPr lang="en-US" sz="1000" b="0" strike="noStrike" spc="-1">
-              <a:latin typeface="이사만루체 Light" panose="00000300000000000000" pitchFamily="2" charset="-127"/>
-              <a:ea typeface="이사만루체 Light" panose="00000300000000000000" pitchFamily="2" charset="-127"/>
-            </a:endParaRPr>
-          </a:p>
-        </p:txBody>
-      </p:sp>
-      <p:sp>
-        <p:nvSpPr>
-          <p:cNvPr id="9" name="Google Shape;169;p22">
-            <a:extLst>
-              <a:ext uri="{FF2B5EF4-FFF2-40B4-BE49-F238E27FC236}">
-                <a16:creationId xmlns:a16="http://schemas.microsoft.com/office/drawing/2014/main" id="{0BA63845-6E8A-95A3-6233-965713D4F823}"/>
-              </a:ext>
-            </a:extLst>
-          </p:cNvPr>
-          <p:cNvSpPr/>
-          <p:nvPr/>
-        </p:nvSpPr>
-        <p:spPr>
-          <a:xfrm>
-            <a:off x="9672480" y="2241000"/>
-            <a:ext cx="1321560" cy="2181960"/>
-          </a:xfrm>
-          <a:prstGeom prst="rect">
-            <a:avLst/>
-          </a:prstGeom>
-          <a:gradFill rotWithShape="0">
-            <a:gsLst>
-              <a:gs pos="0">
-                <a:srgbClr val="F2F2F2"/>
-              </a:gs>
-              <a:gs pos="50000">
-                <a:srgbClr val="E6E6E6"/>
-              </a:gs>
-              <a:gs pos="100000">
-                <a:srgbClr val="F2F2F2"/>
-              </a:gs>
-            </a:gsLst>
-            <a:lin ang="5400000"/>
-          </a:gradFill>
-          <a:ln w="9525">
-            <a:solidFill>
-              <a:srgbClr val="A5A5A5"/>
-            </a:solidFill>
-            <a:miter/>
-          </a:ln>
-        </p:spPr>
-        <p:style>
-          <a:lnRef idx="0">
-            <a:scrgbClr r="0" g="0" b="0"/>
-          </a:lnRef>
-          <a:fillRef idx="0">
-            <a:scrgbClr r="0" g="0" b="0"/>
-          </a:fillRef>
-          <a:effectRef idx="0">
-            <a:scrgbClr r="0" g="0" b="0"/>
-          </a:effectRef>
-          <a:fontRef idx="minor"/>
-        </p:style>
-        <p:txBody>
-          <a:bodyPr lIns="90000" tIns="45000" rIns="90000" bIns="45000" anchor="t">
-            <a:noAutofit/>
-          </a:bodyPr>
-          <a:lstStyle/>
-          <a:p>
-            <a:pPr>
-              <a:lnSpc>
-                <a:spcPct val="100000"/>
-              </a:lnSpc>
-              <a:tabLst>
-                <a:tab pos="0" algn="l"/>
-              </a:tabLst>
-            </a:pPr>
-            <a:r>
-              <a:rPr lang="ko-KR" sz="1000" b="1" strike="noStrike" spc="-1">
-                <a:solidFill>
-                  <a:srgbClr val="000000"/>
-                </a:solidFill>
-                <a:latin typeface="이사만루체 Light" panose="00000300000000000000" pitchFamily="2" charset="-127"/>
-                <a:ea typeface="이사만루체 Light" panose="00000300000000000000" pitchFamily="2" charset="-127"/>
-              </a:rPr>
-              <a:t>결과 정리 및 완료보고서 작성</a:t>
-            </a:r>
-            <a:endParaRPr lang="en-US" sz="1000" b="0" strike="noStrike" spc="-1">
-              <a:latin typeface="이사만루체 Light" panose="00000300000000000000" pitchFamily="2" charset="-127"/>
-              <a:ea typeface="이사만루체 Light" panose="00000300000000000000" pitchFamily="2" charset="-127"/>
-            </a:endParaRPr>
-          </a:p>
-          <a:p>
-            <a:pPr marL="171360" indent="-108000">
-              <a:lnSpc>
-                <a:spcPct val="100000"/>
-              </a:lnSpc>
-              <a:tabLst>
-                <a:tab pos="0" algn="l"/>
-              </a:tabLst>
-            </a:pPr>
-            <a:endParaRPr lang="en-US" sz="1000" b="0" strike="noStrike" spc="-1">
-              <a:latin typeface="이사만루체 Light" panose="00000300000000000000" pitchFamily="2" charset="-127"/>
-              <a:ea typeface="이사만루체 Light" panose="00000300000000000000" pitchFamily="2" charset="-127"/>
-            </a:endParaRPr>
-          </a:p>
-          <a:p>
-            <a:pPr marL="171360" indent="-171360">
-              <a:lnSpc>
-                <a:spcPct val="100000"/>
-              </a:lnSpc>
-              <a:buClr>
-                <a:srgbClr val="000000"/>
-              </a:buClr>
-              <a:buFont typeface="Noto Sans Symbols"/>
-              <a:buChar char="▪"/>
-              <a:tabLst>
-                <a:tab pos="0" algn="l"/>
-              </a:tabLst>
-            </a:pPr>
-            <a:r>
-              <a:rPr lang="ko-KR" sz="1000" b="0" strike="noStrike" spc="-1">
-                <a:solidFill>
-                  <a:srgbClr val="000000"/>
-                </a:solidFill>
-                <a:latin typeface="이사만루체 Light" panose="00000300000000000000" pitchFamily="2" charset="-127"/>
-                <a:ea typeface="이사만루체 Light" panose="00000300000000000000" pitchFamily="2" charset="-127"/>
-              </a:rPr>
-              <a:t>모델발전 계획</a:t>
-            </a:r>
-            <a:endParaRPr lang="en-US" sz="1000" b="0" strike="noStrike" spc="-1">
-              <a:latin typeface="이사만루체 Light" panose="00000300000000000000" pitchFamily="2" charset="-127"/>
-              <a:ea typeface="이사만루체 Light" panose="00000300000000000000" pitchFamily="2" charset="-127"/>
-            </a:endParaRPr>
-          </a:p>
-          <a:p>
-            <a:pPr marL="171360" indent="-171360">
-              <a:lnSpc>
-                <a:spcPct val="100000"/>
-              </a:lnSpc>
-              <a:buClr>
-                <a:srgbClr val="000000"/>
-              </a:buClr>
-              <a:buFont typeface="Noto Sans Symbols"/>
-              <a:buChar char="▪"/>
-              <a:tabLst>
-                <a:tab pos="0" algn="l"/>
-              </a:tabLst>
-            </a:pPr>
-            <a:r>
-              <a:rPr lang="ko-KR" sz="1000" b="0" strike="noStrike" spc="-1">
-                <a:solidFill>
-                  <a:srgbClr val="000000"/>
-                </a:solidFill>
-                <a:latin typeface="이사만루체 Light" panose="00000300000000000000" pitchFamily="2" charset="-127"/>
-                <a:ea typeface="이사만루체 Light" panose="00000300000000000000" pitchFamily="2" charset="-127"/>
-              </a:rPr>
-              <a:t>프로젝트 성과 평가</a:t>
-            </a:r>
-            <a:endParaRPr lang="en-US" sz="1000" b="0" strike="noStrike" spc="-1">
-              <a:latin typeface="이사만루체 Light" panose="00000300000000000000" pitchFamily="2" charset="-127"/>
-              <a:ea typeface="이사만루체 Light" panose="00000300000000000000" pitchFamily="2" charset="-127"/>
-            </a:endParaRPr>
-          </a:p>
-          <a:p>
-            <a:pPr marL="171360" indent="-171360">
-              <a:lnSpc>
-                <a:spcPct val="100000"/>
-              </a:lnSpc>
-              <a:buClr>
-                <a:srgbClr val="000000"/>
-              </a:buClr>
-              <a:buFont typeface="Noto Sans Symbols"/>
-              <a:buChar char="▪"/>
-              <a:tabLst>
-                <a:tab pos="0" algn="l"/>
-              </a:tabLst>
-            </a:pPr>
-            <a:r>
-              <a:rPr lang="ko-KR" sz="1000" b="0" strike="noStrike" spc="-1">
-                <a:solidFill>
-                  <a:srgbClr val="000000"/>
-                </a:solidFill>
-                <a:latin typeface="이사만루체 Light" panose="00000300000000000000" pitchFamily="2" charset="-127"/>
-                <a:ea typeface="이사만루체 Light" panose="00000300000000000000" pitchFamily="2" charset="-127"/>
-              </a:rPr>
-              <a:t>프로젝트 종료</a:t>
-            </a:r>
-            <a:endParaRPr lang="en-US" sz="1000" b="0" strike="noStrike" spc="-1">
-              <a:latin typeface="이사만루체 Light" panose="00000300000000000000" pitchFamily="2" charset="-127"/>
-              <a:ea typeface="이사만루체 Light" panose="00000300000000000000" pitchFamily="2" charset="-127"/>
-            </a:endParaRPr>
-          </a:p>
-        </p:txBody>
-      </p:sp>
-      <p:sp>
-        <p:nvSpPr>
-          <p:cNvPr id="10" name="Google Shape;170;p22">
-            <a:extLst>
-              <a:ext uri="{FF2B5EF4-FFF2-40B4-BE49-F238E27FC236}">
-                <a16:creationId xmlns:a16="http://schemas.microsoft.com/office/drawing/2014/main" id="{8D5203FD-A11F-9DC2-D35D-9FF6F33482C0}"/>
-              </a:ext>
-            </a:extLst>
-          </p:cNvPr>
-          <p:cNvSpPr/>
-          <p:nvPr/>
-        </p:nvSpPr>
-        <p:spPr>
-          <a:xfrm>
-            <a:off x="3200400" y="1724760"/>
-            <a:ext cx="2221560" cy="430920"/>
-          </a:xfrm>
-          <a:prstGeom prst="homePlate">
-            <a:avLst>
-              <a:gd name="adj" fmla="val 20674"/>
-            </a:avLst>
-          </a:prstGeom>
-          <a:solidFill>
-            <a:srgbClr val="0070C0"/>
-          </a:solidFill>
-          <a:ln w="0">
-            <a:noFill/>
-          </a:ln>
-          <a:effectLst>
-            <a:outerShdw blurRad="57240" dist="19080" dir="5400000" algn="ctr" rotWithShape="0">
-              <a:srgbClr val="000000">
-                <a:alpha val="63000"/>
-              </a:srgbClr>
-            </a:outerShdw>
-          </a:effectLst>
-        </p:spPr>
-        <p:style>
-          <a:lnRef idx="0">
-            <a:scrgbClr r="0" g="0" b="0"/>
-          </a:lnRef>
-          <a:fillRef idx="0">
-            <a:scrgbClr r="0" g="0" b="0"/>
-          </a:fillRef>
-          <a:effectRef idx="0">
-            <a:scrgbClr r="0" g="0" b="0"/>
-          </a:effectRef>
-          <a:fontRef idx="minor"/>
-        </p:style>
-        <p:txBody>
-          <a:bodyPr lIns="90000" tIns="45000" rIns="90000" bIns="45000" anchor="ctr">
-            <a:noAutofit/>
-          </a:bodyPr>
-          <a:lstStyle/>
-          <a:p>
-            <a:pPr algn="ctr">
-              <a:lnSpc>
-                <a:spcPct val="80000"/>
-              </a:lnSpc>
-              <a:tabLst>
-                <a:tab pos="0" algn="l"/>
-              </a:tabLst>
-            </a:pPr>
-            <a:r>
-              <a:rPr lang="en-US" sz="1400" b="1" strike="noStrike" spc="-1" dirty="0">
-                <a:solidFill>
-                  <a:schemeClr val="bg1"/>
-                </a:solidFill>
-                <a:latin typeface="이사만루체 Light" panose="00000300000000000000" pitchFamily="2" charset="-127"/>
-                <a:ea typeface="이사만루체 Light" panose="00000300000000000000" pitchFamily="2" charset="-127"/>
-              </a:rPr>
-              <a:t>Data </a:t>
-            </a:r>
-            <a:r>
-              <a:rPr lang="en-US" sz="1400" b="1" strike="noStrike" spc="-1" dirty="0" err="1">
-                <a:solidFill>
-                  <a:schemeClr val="bg1"/>
-                </a:solidFill>
-                <a:latin typeface="이사만루체 Light" panose="00000300000000000000" pitchFamily="2" charset="-127"/>
-                <a:ea typeface="이사만루체 Light" panose="00000300000000000000" pitchFamily="2" charset="-127"/>
-              </a:rPr>
-              <a:t>Preparartion</a:t>
-            </a:r>
-            <a:endParaRPr lang="en-US" sz="1400" b="0" strike="noStrike" spc="-1" dirty="0">
-              <a:solidFill>
-                <a:schemeClr val="bg1"/>
-              </a:solidFill>
-              <a:latin typeface="이사만루체 Light" panose="00000300000000000000" pitchFamily="2" charset="-127"/>
-              <a:ea typeface="이사만루체 Light" panose="00000300000000000000" pitchFamily="2" charset="-127"/>
-            </a:endParaRPr>
-          </a:p>
-        </p:txBody>
-      </p:sp>
-      <p:sp>
-        <p:nvSpPr>
-          <p:cNvPr id="11" name="Google Shape;171;p22">
-            <a:extLst>
-              <a:ext uri="{FF2B5EF4-FFF2-40B4-BE49-F238E27FC236}">
-                <a16:creationId xmlns:a16="http://schemas.microsoft.com/office/drawing/2014/main" id="{7E42BC3F-3845-F96F-9B41-D9CF1D277FD5}"/>
-              </a:ext>
-            </a:extLst>
-          </p:cNvPr>
-          <p:cNvSpPr/>
-          <p:nvPr/>
-        </p:nvSpPr>
-        <p:spPr>
-          <a:xfrm>
-            <a:off x="5493240" y="1724760"/>
-            <a:ext cx="2525760" cy="430920"/>
-          </a:xfrm>
-          <a:prstGeom prst="homePlate">
-            <a:avLst>
-              <a:gd name="adj" fmla="val 29041"/>
-            </a:avLst>
-          </a:prstGeom>
-          <a:solidFill>
-            <a:srgbClr val="0070C0"/>
-          </a:solidFill>
-          <a:ln w="0">
-            <a:noFill/>
-          </a:ln>
-          <a:effectLst>
-            <a:outerShdw blurRad="57240" dist="19080" dir="5400000" algn="ctr" rotWithShape="0">
-              <a:srgbClr val="000000">
-                <a:alpha val="63000"/>
-              </a:srgbClr>
-            </a:outerShdw>
-          </a:effectLst>
-        </p:spPr>
-        <p:style>
-          <a:lnRef idx="0">
-            <a:scrgbClr r="0" g="0" b="0"/>
-          </a:lnRef>
-          <a:fillRef idx="0">
-            <a:scrgbClr r="0" g="0" b="0"/>
-          </a:fillRef>
-          <a:effectRef idx="0">
-            <a:scrgbClr r="0" g="0" b="0"/>
-          </a:effectRef>
-          <a:fontRef idx="minor"/>
-        </p:style>
-        <p:txBody>
-          <a:bodyPr lIns="90000" tIns="45000" rIns="90000" bIns="45000" anchor="ctr">
-            <a:noAutofit/>
-          </a:bodyPr>
-          <a:lstStyle/>
-          <a:p>
-            <a:pPr algn="ctr">
-              <a:lnSpc>
-                <a:spcPct val="80000"/>
-              </a:lnSpc>
-              <a:tabLst>
-                <a:tab pos="0" algn="l"/>
-              </a:tabLst>
-            </a:pPr>
-            <a:r>
-              <a:rPr lang="en-US" sz="1400" b="1" strike="noStrike" spc="-1" dirty="0">
-                <a:solidFill>
-                  <a:schemeClr val="bg1"/>
-                </a:solidFill>
-                <a:latin typeface="이사만루체 Light" panose="00000300000000000000" pitchFamily="2" charset="-127"/>
-                <a:ea typeface="이사만루체 Light" panose="00000300000000000000" pitchFamily="2" charset="-127"/>
-              </a:rPr>
-              <a:t>Data Analyzing</a:t>
-            </a:r>
-            <a:endParaRPr lang="en-US" sz="1400" b="0" strike="noStrike" spc="-1" dirty="0">
-              <a:solidFill>
-                <a:schemeClr val="bg1"/>
-              </a:solidFill>
-              <a:latin typeface="이사만루체 Light" panose="00000300000000000000" pitchFamily="2" charset="-127"/>
-              <a:ea typeface="이사만루체 Light" panose="00000300000000000000" pitchFamily="2" charset="-127"/>
-            </a:endParaRPr>
-          </a:p>
-        </p:txBody>
-      </p:sp>
-      <p:sp>
-        <p:nvSpPr>
-          <p:cNvPr id="12" name="Google Shape;172;p22">
-            <a:extLst>
-              <a:ext uri="{FF2B5EF4-FFF2-40B4-BE49-F238E27FC236}">
-                <a16:creationId xmlns:a16="http://schemas.microsoft.com/office/drawing/2014/main" id="{5757F5C4-3D95-4D48-3C5B-84EC122DAAA9}"/>
-              </a:ext>
-            </a:extLst>
-          </p:cNvPr>
-          <p:cNvSpPr/>
-          <p:nvPr/>
-        </p:nvSpPr>
-        <p:spPr>
-          <a:xfrm>
-            <a:off x="9672480" y="1724760"/>
-            <a:ext cx="1321560" cy="430920"/>
-          </a:xfrm>
-          <a:prstGeom prst="homePlate">
-            <a:avLst>
-              <a:gd name="adj" fmla="val 13686"/>
-            </a:avLst>
-          </a:prstGeom>
-          <a:solidFill>
-            <a:srgbClr val="0070C0"/>
-          </a:solidFill>
-          <a:ln w="0">
-            <a:noFill/>
-          </a:ln>
-          <a:effectLst>
-            <a:outerShdw blurRad="57240" dist="19080" dir="5400000" algn="ctr" rotWithShape="0">
-              <a:srgbClr val="000000">
-                <a:alpha val="63000"/>
-              </a:srgbClr>
-            </a:outerShdw>
-          </a:effectLst>
-        </p:spPr>
-        <p:style>
-          <a:lnRef idx="0">
-            <a:scrgbClr r="0" g="0" b="0"/>
-          </a:lnRef>
-          <a:fillRef idx="0">
-            <a:scrgbClr r="0" g="0" b="0"/>
-          </a:fillRef>
-          <a:effectRef idx="0">
-            <a:scrgbClr r="0" g="0" b="0"/>
-          </a:effectRef>
-          <a:fontRef idx="minor"/>
-        </p:style>
-        <p:txBody>
-          <a:bodyPr lIns="90000" tIns="45000" rIns="90000" bIns="45000" anchor="ctr">
-            <a:noAutofit/>
-          </a:bodyPr>
-          <a:lstStyle/>
-          <a:p>
-            <a:pPr algn="ctr">
-              <a:lnSpc>
-                <a:spcPct val="80000"/>
-              </a:lnSpc>
-              <a:tabLst>
-                <a:tab pos="0" algn="l"/>
-              </a:tabLst>
-            </a:pPr>
-            <a:r>
-              <a:rPr lang="en-US" sz="1400" b="1" strike="noStrike" spc="-1" dirty="0">
-                <a:solidFill>
-                  <a:schemeClr val="bg1"/>
-                </a:solidFill>
-                <a:latin typeface="이사만루체 Light" panose="00000300000000000000" pitchFamily="2" charset="-127"/>
-                <a:ea typeface="이사만루체 Light" panose="00000300000000000000" pitchFamily="2" charset="-127"/>
-              </a:rPr>
-              <a:t>Deploying</a:t>
-            </a:r>
-            <a:endParaRPr lang="en-US" sz="1400" b="0" strike="noStrike" spc="-1" dirty="0">
-              <a:solidFill>
-                <a:schemeClr val="bg1"/>
-              </a:solidFill>
-              <a:latin typeface="이사만루체 Light" panose="00000300000000000000" pitchFamily="2" charset="-127"/>
-              <a:ea typeface="이사만루체 Light" panose="00000300000000000000" pitchFamily="2" charset="-127"/>
-            </a:endParaRPr>
-          </a:p>
-        </p:txBody>
-      </p:sp>
-      <p:sp>
-        <p:nvSpPr>
-          <p:cNvPr id="13" name="Google Shape;173;p22">
-            <a:extLst>
-              <a:ext uri="{FF2B5EF4-FFF2-40B4-BE49-F238E27FC236}">
-                <a16:creationId xmlns:a16="http://schemas.microsoft.com/office/drawing/2014/main" id="{85ACDFE6-EDAB-D233-78E6-9C61773B9F30}"/>
-              </a:ext>
-            </a:extLst>
-          </p:cNvPr>
-          <p:cNvSpPr/>
-          <p:nvPr/>
-        </p:nvSpPr>
-        <p:spPr>
-          <a:xfrm>
-            <a:off x="8095680" y="1724760"/>
-            <a:ext cx="1484280" cy="430920"/>
-          </a:xfrm>
-          <a:prstGeom prst="homePlate">
-            <a:avLst>
-              <a:gd name="adj" fmla="val 16571"/>
-            </a:avLst>
-          </a:prstGeom>
-          <a:solidFill>
-            <a:srgbClr val="0070C0"/>
-          </a:solidFill>
-          <a:ln w="0">
-            <a:noFill/>
-          </a:ln>
-          <a:effectLst>
-            <a:outerShdw blurRad="57240" dist="19080" dir="5400000" algn="ctr" rotWithShape="0">
-              <a:srgbClr val="000000">
-                <a:alpha val="63000"/>
-              </a:srgbClr>
-            </a:outerShdw>
-          </a:effectLst>
-        </p:spPr>
-        <p:style>
-          <a:lnRef idx="0">
-            <a:scrgbClr r="0" g="0" b="0"/>
-          </a:lnRef>
-          <a:fillRef idx="0">
-            <a:scrgbClr r="0" g="0" b="0"/>
-          </a:fillRef>
-          <a:effectRef idx="0">
-            <a:scrgbClr r="0" g="0" b="0"/>
-          </a:effectRef>
-          <a:fontRef idx="minor"/>
-        </p:style>
-        <p:txBody>
-          <a:bodyPr lIns="90000" tIns="45000" rIns="90000" bIns="45000" anchor="ctr">
-            <a:noAutofit/>
-          </a:bodyPr>
-          <a:lstStyle/>
-          <a:p>
-            <a:pPr algn="ctr">
-              <a:lnSpc>
-                <a:spcPct val="80000"/>
-              </a:lnSpc>
-              <a:tabLst>
-                <a:tab pos="0" algn="l"/>
-              </a:tabLst>
-            </a:pPr>
-            <a:r>
-              <a:rPr lang="en-US" sz="1400" b="1" strike="noStrike" spc="-1" dirty="0">
-                <a:solidFill>
-                  <a:schemeClr val="bg1"/>
-                </a:solidFill>
-                <a:latin typeface="이사만루체 Light" panose="00000300000000000000" pitchFamily="2" charset="-127"/>
-                <a:ea typeface="이사만루체 Light" panose="00000300000000000000" pitchFamily="2" charset="-127"/>
-              </a:rPr>
-              <a:t>System Developing</a:t>
-            </a:r>
-            <a:endParaRPr lang="en-US" sz="1400" b="0" strike="noStrike" spc="-1" dirty="0">
-              <a:solidFill>
-                <a:schemeClr val="bg1"/>
-              </a:solidFill>
-              <a:latin typeface="이사만루체 Light" panose="00000300000000000000" pitchFamily="2" charset="-127"/>
-              <a:ea typeface="이사만루체 Light" panose="00000300000000000000" pitchFamily="2" charset="-127"/>
-            </a:endParaRPr>
-          </a:p>
-        </p:txBody>
-      </p:sp>
-      <p:sp>
-        <p:nvSpPr>
-          <p:cNvPr id="14" name="Google Shape;174;p22">
-            <a:extLst>
-              <a:ext uri="{FF2B5EF4-FFF2-40B4-BE49-F238E27FC236}">
-                <a16:creationId xmlns:a16="http://schemas.microsoft.com/office/drawing/2014/main" id="{3D7A3886-CAB5-4148-483B-37BB09C7FB8B}"/>
-              </a:ext>
-            </a:extLst>
-          </p:cNvPr>
-          <p:cNvSpPr/>
-          <p:nvPr/>
-        </p:nvSpPr>
-        <p:spPr>
-          <a:xfrm>
-            <a:off x="1299960" y="1724760"/>
-            <a:ext cx="1807920" cy="430920"/>
-          </a:xfrm>
-          <a:prstGeom prst="homePlate">
-            <a:avLst>
-              <a:gd name="adj" fmla="val 18995"/>
-            </a:avLst>
-          </a:prstGeom>
-          <a:solidFill>
-            <a:srgbClr val="0070C0"/>
-          </a:solidFill>
-          <a:ln w="0">
-            <a:noFill/>
-          </a:ln>
-          <a:effectLst>
-            <a:outerShdw blurRad="57240" dist="19080" dir="5400000" algn="ctr" rotWithShape="0">
-              <a:srgbClr val="000000">
-                <a:alpha val="63000"/>
-              </a:srgbClr>
-            </a:outerShdw>
-          </a:effectLst>
-        </p:spPr>
-        <p:style>
-          <a:lnRef idx="0">
-            <a:scrgbClr r="0" g="0" b="0"/>
-          </a:lnRef>
-          <a:fillRef idx="0">
-            <a:scrgbClr r="0" g="0" b="0"/>
-          </a:fillRef>
-          <a:effectRef idx="0">
-            <a:scrgbClr r="0" g="0" b="0"/>
-          </a:effectRef>
-          <a:fontRef idx="minor"/>
-        </p:style>
-        <p:txBody>
-          <a:bodyPr lIns="90000" tIns="45000" rIns="90000" bIns="45000" anchor="ctr">
-            <a:noAutofit/>
-          </a:bodyPr>
-          <a:lstStyle/>
-          <a:p>
-            <a:pPr algn="ctr">
-              <a:lnSpc>
-                <a:spcPct val="80000"/>
-              </a:lnSpc>
-              <a:tabLst>
-                <a:tab pos="0" algn="l"/>
-              </a:tabLst>
-            </a:pPr>
-            <a:r>
-              <a:rPr lang="en-US" sz="1400" b="1" strike="noStrike" spc="-1" dirty="0">
-                <a:solidFill>
-                  <a:schemeClr val="bg1"/>
-                </a:solidFill>
-                <a:latin typeface="이사만루체 Light" panose="00000300000000000000" pitchFamily="2" charset="-127"/>
-                <a:ea typeface="이사만루체 Light" panose="00000300000000000000" pitchFamily="2" charset="-127"/>
-              </a:rPr>
-              <a:t>Planning</a:t>
-            </a:r>
-            <a:endParaRPr lang="en-US" sz="1400" b="0" strike="noStrike" spc="-1" dirty="0">
-              <a:solidFill>
-                <a:schemeClr val="bg1"/>
-              </a:solidFill>
-              <a:latin typeface="이사만루체 Light" panose="00000300000000000000" pitchFamily="2" charset="-127"/>
-              <a:ea typeface="이사만루체 Light" panose="00000300000000000000" pitchFamily="2" charset="-127"/>
-            </a:endParaRPr>
-          </a:p>
-        </p:txBody>
-      </p:sp>
-      <p:sp>
-        <p:nvSpPr>
-          <p:cNvPr id="15" name="Google Shape;175;p22">
-            <a:extLst>
-              <a:ext uri="{FF2B5EF4-FFF2-40B4-BE49-F238E27FC236}">
-                <a16:creationId xmlns:a16="http://schemas.microsoft.com/office/drawing/2014/main" id="{5DAA1998-5238-4F1F-4B08-52B8860CB56F}"/>
-              </a:ext>
-            </a:extLst>
-          </p:cNvPr>
-          <p:cNvSpPr/>
-          <p:nvPr/>
-        </p:nvSpPr>
-        <p:spPr>
-          <a:xfrm>
-            <a:off x="461880" y="2242440"/>
-            <a:ext cx="802080" cy="2181960"/>
-          </a:xfrm>
-          <a:prstGeom prst="roundRect">
-            <a:avLst>
-              <a:gd name="adj" fmla="val 0"/>
-            </a:avLst>
-          </a:prstGeom>
-          <a:gradFill rotWithShape="0">
-            <a:gsLst>
-              <a:gs pos="0">
-                <a:srgbClr val="AFAFAF"/>
-              </a:gs>
-              <a:gs pos="100000">
-                <a:srgbClr val="A5A5A5"/>
-              </a:gs>
-            </a:gsLst>
-            <a:lin ang="5400000"/>
-          </a:gradFill>
-          <a:ln w="0">
-            <a:noFill/>
-          </a:ln>
-          <a:effectLst>
-            <a:outerShdw blurRad="57240" dist="19080" dir="5400000" algn="ctr" rotWithShape="0">
-              <a:srgbClr val="000000">
-                <a:alpha val="63000"/>
-              </a:srgbClr>
-            </a:outerShdw>
-          </a:effectLst>
-        </p:spPr>
-        <p:style>
-          <a:lnRef idx="0">
-            <a:scrgbClr r="0" g="0" b="0"/>
-          </a:lnRef>
-          <a:fillRef idx="0">
-            <a:scrgbClr r="0" g="0" b="0"/>
-          </a:fillRef>
-          <a:effectRef idx="0">
-            <a:scrgbClr r="0" g="0" b="0"/>
-          </a:effectRef>
-          <a:fontRef idx="minor"/>
-        </p:style>
-        <p:txBody>
-          <a:bodyPr lIns="90000" tIns="36000" rIns="90000" bIns="45000" anchor="ctr">
-            <a:noAutofit/>
-          </a:bodyPr>
-          <a:lstStyle/>
-          <a:p>
-            <a:pPr algn="ctr">
-              <a:lnSpc>
-                <a:spcPct val="100000"/>
-              </a:lnSpc>
-              <a:tabLst>
-                <a:tab pos="0" algn="l"/>
-              </a:tabLst>
-            </a:pPr>
-            <a:r>
-              <a:rPr lang="ko-KR" sz="1400" b="1" strike="noStrike" spc="-1">
-                <a:solidFill>
-                  <a:srgbClr val="FFFFFF"/>
-                </a:solidFill>
-                <a:latin typeface="이사만루체 Light" panose="00000300000000000000" pitchFamily="2" charset="-127"/>
-                <a:ea typeface="이사만루체 Light" panose="00000300000000000000" pitchFamily="2" charset="-127"/>
-              </a:rPr>
-              <a:t>주요 </a:t>
-            </a:r>
-            <a:r>
-              <a:rPr lang="en-US" sz="1400" b="1" strike="noStrike" spc="-1">
-                <a:solidFill>
-                  <a:srgbClr val="FFFFFF"/>
-                </a:solidFill>
-                <a:latin typeface="이사만루체 Light" panose="00000300000000000000" pitchFamily="2" charset="-127"/>
-                <a:ea typeface="이사만루체 Light" panose="00000300000000000000" pitchFamily="2" charset="-127"/>
-              </a:rPr>
-              <a:t>Task</a:t>
-            </a:r>
-            <a:endParaRPr lang="en-US" sz="1400" b="0" strike="noStrike" spc="-1">
-              <a:latin typeface="이사만루체 Light" panose="00000300000000000000" pitchFamily="2" charset="-127"/>
-              <a:ea typeface="이사만루체 Light" panose="00000300000000000000" pitchFamily="2" charset="-127"/>
-            </a:endParaRPr>
-          </a:p>
-        </p:txBody>
-      </p:sp>
-      <p:sp>
-        <p:nvSpPr>
-          <p:cNvPr id="16" name="Google Shape;176;p22">
-            <a:extLst>
-              <a:ext uri="{FF2B5EF4-FFF2-40B4-BE49-F238E27FC236}">
-                <a16:creationId xmlns:a16="http://schemas.microsoft.com/office/drawing/2014/main" id="{066798C1-F3B1-D330-AD4B-0B4E922A28A2}"/>
-              </a:ext>
-            </a:extLst>
-          </p:cNvPr>
-          <p:cNvSpPr/>
-          <p:nvPr/>
-        </p:nvSpPr>
-        <p:spPr>
-          <a:xfrm>
-            <a:off x="461880" y="4536720"/>
-            <a:ext cx="802080" cy="1910160"/>
-          </a:xfrm>
-          <a:prstGeom prst="roundRect">
-            <a:avLst>
-              <a:gd name="adj" fmla="val 0"/>
-            </a:avLst>
-          </a:prstGeom>
-          <a:gradFill rotWithShape="0">
-            <a:gsLst>
-              <a:gs pos="0">
-                <a:srgbClr val="AFAFAF"/>
-              </a:gs>
-              <a:gs pos="100000">
-                <a:srgbClr val="A5A5A5"/>
-              </a:gs>
-            </a:gsLst>
-            <a:lin ang="5400000"/>
-          </a:gradFill>
-          <a:ln w="0">
-            <a:noFill/>
-          </a:ln>
-          <a:effectLst>
-            <a:outerShdw blurRad="57240" dist="19080" dir="5400000" algn="ctr" rotWithShape="0">
-              <a:srgbClr val="000000">
-                <a:alpha val="63000"/>
-              </a:srgbClr>
-            </a:outerShdw>
-          </a:effectLst>
-        </p:spPr>
-        <p:style>
-          <a:lnRef idx="0">
-            <a:scrgbClr r="0" g="0" b="0"/>
-          </a:lnRef>
-          <a:fillRef idx="0">
-            <a:scrgbClr r="0" g="0" b="0"/>
-          </a:fillRef>
-          <a:effectRef idx="0">
-            <a:scrgbClr r="0" g="0" b="0"/>
-          </a:effectRef>
-          <a:fontRef idx="minor"/>
-        </p:style>
-        <p:txBody>
-          <a:bodyPr lIns="90000" tIns="36000" rIns="90000" bIns="45000" anchor="ctr">
-            <a:noAutofit/>
-          </a:bodyPr>
-          <a:lstStyle/>
-          <a:p>
-            <a:pPr algn="ctr">
-              <a:lnSpc>
-                <a:spcPct val="100000"/>
-              </a:lnSpc>
-              <a:tabLst>
-                <a:tab pos="0" algn="l"/>
-              </a:tabLst>
-            </a:pPr>
-            <a:r>
-              <a:rPr lang="ko-KR" sz="1400" b="1" strike="noStrike" spc="-1">
-                <a:solidFill>
-                  <a:srgbClr val="FFFFFF"/>
-                </a:solidFill>
-                <a:latin typeface="이사만루체 Light" panose="00000300000000000000" pitchFamily="2" charset="-127"/>
-                <a:ea typeface="이사만루체 Light" panose="00000300000000000000" pitchFamily="2" charset="-127"/>
-              </a:rPr>
-              <a:t>주요 </a:t>
-            </a:r>
-            <a:endParaRPr lang="en-US" sz="1400" b="0" strike="noStrike" spc="-1">
-              <a:latin typeface="이사만루체 Light" panose="00000300000000000000" pitchFamily="2" charset="-127"/>
-              <a:ea typeface="이사만루체 Light" panose="00000300000000000000" pitchFamily="2" charset="-127"/>
-            </a:endParaRPr>
-          </a:p>
-          <a:p>
-            <a:pPr algn="ctr">
-              <a:lnSpc>
-                <a:spcPct val="100000"/>
-              </a:lnSpc>
-              <a:tabLst>
-                <a:tab pos="0" algn="l"/>
-              </a:tabLst>
-            </a:pPr>
-            <a:r>
-              <a:rPr lang="ko-KR" sz="1400" b="1" strike="noStrike" spc="-1">
-                <a:solidFill>
-                  <a:srgbClr val="FFFFFF"/>
-                </a:solidFill>
-                <a:latin typeface="이사만루체 Light" panose="00000300000000000000" pitchFamily="2" charset="-127"/>
-                <a:ea typeface="이사만루체 Light" panose="00000300000000000000" pitchFamily="2" charset="-127"/>
-              </a:rPr>
-              <a:t>산출물</a:t>
-            </a:r>
-            <a:endParaRPr lang="en-US" sz="1400" b="0" strike="noStrike" spc="-1">
-              <a:latin typeface="이사만루체 Light" panose="00000300000000000000" pitchFamily="2" charset="-127"/>
-              <a:ea typeface="이사만루체 Light" panose="00000300000000000000" pitchFamily="2" charset="-127"/>
-            </a:endParaRPr>
-          </a:p>
-        </p:txBody>
-      </p:sp>
-      <p:sp>
-        <p:nvSpPr>
-          <p:cNvPr id="19" name="Google Shape;177;p22">
-            <a:extLst>
-              <a:ext uri="{FF2B5EF4-FFF2-40B4-BE49-F238E27FC236}">
-                <a16:creationId xmlns:a16="http://schemas.microsoft.com/office/drawing/2014/main" id="{64CF4CCC-7660-F395-5DA5-70A9CE05CE4B}"/>
-              </a:ext>
-            </a:extLst>
-          </p:cNvPr>
-          <p:cNvSpPr/>
-          <p:nvPr/>
-        </p:nvSpPr>
-        <p:spPr>
-          <a:xfrm>
-            <a:off x="1321200" y="4536720"/>
-            <a:ext cx="1837440" cy="1910160"/>
-          </a:xfrm>
-          <a:prstGeom prst="rect">
-            <a:avLst/>
-          </a:prstGeom>
-          <a:gradFill rotWithShape="0">
-            <a:gsLst>
-              <a:gs pos="0">
-                <a:srgbClr val="F2F2F2"/>
-              </a:gs>
-              <a:gs pos="50000">
-                <a:srgbClr val="E6E6E6"/>
-              </a:gs>
-              <a:gs pos="100000">
-                <a:srgbClr val="F2F2F2"/>
-              </a:gs>
-            </a:gsLst>
-            <a:lin ang="5400000"/>
-          </a:gradFill>
-          <a:ln w="9525">
-            <a:solidFill>
-              <a:srgbClr val="A5A5A5"/>
-            </a:solidFill>
-            <a:miter/>
-          </a:ln>
-        </p:spPr>
-        <p:style>
-          <a:lnRef idx="0">
-            <a:scrgbClr r="0" g="0" b="0"/>
-          </a:lnRef>
-          <a:fillRef idx="0">
-            <a:scrgbClr r="0" g="0" b="0"/>
-          </a:fillRef>
-          <a:effectRef idx="0">
-            <a:scrgbClr r="0" g="0" b="0"/>
-          </a:effectRef>
-          <a:fontRef idx="minor"/>
-        </p:style>
-        <p:txBody>
-          <a:bodyPr lIns="90000" tIns="45000" rIns="90000" bIns="45000" anchor="t">
-            <a:noAutofit/>
-          </a:bodyPr>
-          <a:lstStyle/>
-          <a:p>
-            <a:pPr marL="171360" indent="-171360">
-              <a:lnSpc>
-                <a:spcPct val="100000"/>
-              </a:lnSpc>
-              <a:buClr>
-                <a:srgbClr val="000000"/>
-              </a:buClr>
-              <a:buFont typeface="Noto Sans Symbols"/>
-              <a:buChar char="▪"/>
-            </a:pPr>
-            <a:r>
-              <a:rPr lang="ko-KR" sz="700" b="0" strike="noStrike" spc="-1" dirty="0">
-                <a:solidFill>
-                  <a:srgbClr val="000000"/>
-                </a:solidFill>
-                <a:latin typeface="이사만루체 Light" panose="00000300000000000000" pitchFamily="2" charset="-127"/>
-                <a:ea typeface="이사만루체 Light" panose="00000300000000000000" pitchFamily="2" charset="-127"/>
-              </a:rPr>
-              <a:t>비즈니스이해 및 도메인 문제점</a:t>
-            </a:r>
-            <a:endParaRPr lang="en-US" sz="700" b="0" strike="noStrike" spc="-1" dirty="0">
-              <a:latin typeface="이사만루체 Light" panose="00000300000000000000" pitchFamily="2" charset="-127"/>
-              <a:ea typeface="이사만루체 Light" panose="00000300000000000000" pitchFamily="2" charset="-127"/>
-            </a:endParaRPr>
-          </a:p>
-          <a:p>
-            <a:pPr marL="171360" indent="-171360">
-              <a:lnSpc>
-                <a:spcPct val="100000"/>
-              </a:lnSpc>
-              <a:buClr>
-                <a:srgbClr val="000000"/>
-              </a:buClr>
-              <a:buFont typeface="Noto Sans Symbols"/>
-              <a:buChar char="▪"/>
-            </a:pPr>
-            <a:r>
-              <a:rPr lang="ko-KR" sz="700" b="0" strike="noStrike" spc="-1" dirty="0">
-                <a:solidFill>
-                  <a:srgbClr val="000000"/>
-                </a:solidFill>
-                <a:latin typeface="이사만루체 Light" panose="00000300000000000000" pitchFamily="2" charset="-127"/>
-                <a:ea typeface="이사만루체 Light" panose="00000300000000000000" pitchFamily="2" charset="-127"/>
-              </a:rPr>
-              <a:t>프로젝트 범위 정의서</a:t>
-            </a:r>
-            <a:r>
-              <a:rPr lang="en-US" sz="700" b="0" strike="noStrike" spc="-1" dirty="0">
-                <a:solidFill>
-                  <a:srgbClr val="000000"/>
-                </a:solidFill>
-                <a:latin typeface="이사만루체 Light" panose="00000300000000000000" pitchFamily="2" charset="-127"/>
-                <a:ea typeface="이사만루체 Light" panose="00000300000000000000" pitchFamily="2" charset="-127"/>
-              </a:rPr>
-              <a:t>(SOW)(Statement Of Work)</a:t>
-            </a:r>
-            <a:endParaRPr lang="en-US" sz="700" b="0" strike="noStrike" spc="-1" dirty="0">
-              <a:latin typeface="이사만루체 Light" panose="00000300000000000000" pitchFamily="2" charset="-127"/>
-              <a:ea typeface="이사만루체 Light" panose="00000300000000000000" pitchFamily="2" charset="-127"/>
-            </a:endParaRPr>
-          </a:p>
-          <a:p>
-            <a:pPr>
-              <a:lnSpc>
-                <a:spcPct val="100000"/>
-              </a:lnSpc>
-            </a:pPr>
-            <a:endParaRPr lang="en-US" sz="700" b="0" strike="noStrike" spc="-1" dirty="0">
-              <a:latin typeface="이사만루체 Light" panose="00000300000000000000" pitchFamily="2" charset="-127"/>
-              <a:ea typeface="이사만루체 Light" panose="00000300000000000000" pitchFamily="2" charset="-127"/>
-            </a:endParaRPr>
-          </a:p>
-          <a:p>
-            <a:pPr marL="171360" indent="-171360">
-              <a:lnSpc>
-                <a:spcPct val="100000"/>
-              </a:lnSpc>
-              <a:buClr>
-                <a:srgbClr val="000000"/>
-              </a:buClr>
-              <a:buFont typeface="Noto Sans Symbols"/>
-              <a:buChar char="▪"/>
-            </a:pPr>
-            <a:r>
-              <a:rPr lang="ko-KR" sz="700" b="0" strike="noStrike" spc="-1" dirty="0">
-                <a:solidFill>
-                  <a:srgbClr val="000000"/>
-                </a:solidFill>
-                <a:latin typeface="이사만루체 Light" panose="00000300000000000000" pitchFamily="2" charset="-127"/>
-                <a:ea typeface="이사만루체 Light" panose="00000300000000000000" pitchFamily="2" charset="-127"/>
-              </a:rPr>
-              <a:t>프로젝트정의서</a:t>
-            </a:r>
-            <a:r>
-              <a:rPr lang="en-US" sz="700" b="0" strike="noStrike" spc="-1" dirty="0">
-                <a:solidFill>
-                  <a:srgbClr val="000000"/>
-                </a:solidFill>
-                <a:latin typeface="이사만루체 Light" panose="00000300000000000000" pitchFamily="2" charset="-127"/>
-                <a:ea typeface="이사만루체 Light" panose="00000300000000000000" pitchFamily="2" charset="-127"/>
-              </a:rPr>
-              <a:t>, </a:t>
-            </a:r>
-            <a:r>
-              <a:rPr lang="ko-KR" sz="700" b="0" strike="noStrike" spc="-1" dirty="0" err="1">
-                <a:solidFill>
-                  <a:srgbClr val="000000"/>
-                </a:solidFill>
-                <a:latin typeface="이사만루체 Light" panose="00000300000000000000" pitchFamily="2" charset="-127"/>
-                <a:ea typeface="이사만루체 Light" panose="00000300000000000000" pitchFamily="2" charset="-127"/>
-              </a:rPr>
-              <a:t>모델운영이미지설계서</a:t>
-            </a:r>
-            <a:r>
-              <a:rPr lang="en-US" sz="700" b="0" strike="noStrike" spc="-1" dirty="0">
-                <a:solidFill>
-                  <a:srgbClr val="000000"/>
-                </a:solidFill>
-                <a:latin typeface="이사만루체 Light" panose="00000300000000000000" pitchFamily="2" charset="-127"/>
-                <a:ea typeface="이사만루체 Light" panose="00000300000000000000" pitchFamily="2" charset="-127"/>
-              </a:rPr>
-              <a:t>, </a:t>
-            </a:r>
-            <a:r>
-              <a:rPr lang="ko-KR" sz="700" b="0" strike="noStrike" spc="-1" dirty="0">
-                <a:solidFill>
-                  <a:srgbClr val="000000"/>
-                </a:solidFill>
-                <a:latin typeface="이사만루체 Light" panose="00000300000000000000" pitchFamily="2" charset="-127"/>
-                <a:ea typeface="이사만루체 Light" panose="00000300000000000000" pitchFamily="2" charset="-127"/>
-              </a:rPr>
-              <a:t>모델평가기준</a:t>
-            </a:r>
-            <a:endParaRPr lang="en-US" sz="700" b="0" strike="noStrike" spc="-1" dirty="0">
-              <a:latin typeface="이사만루체 Light" panose="00000300000000000000" pitchFamily="2" charset="-127"/>
-              <a:ea typeface="이사만루체 Light" panose="00000300000000000000" pitchFamily="2" charset="-127"/>
-            </a:endParaRPr>
-          </a:p>
-          <a:p>
-            <a:pPr marL="171360" indent="-171360">
-              <a:lnSpc>
-                <a:spcPct val="100000"/>
-              </a:lnSpc>
-              <a:buClr>
-                <a:srgbClr val="000000"/>
-              </a:buClr>
-              <a:buFont typeface="Noto Sans Symbols"/>
-              <a:buChar char="▪"/>
-            </a:pPr>
-            <a:r>
-              <a:rPr lang="ko-KR" sz="700" b="0" strike="noStrike" spc="-1" dirty="0">
-                <a:solidFill>
-                  <a:srgbClr val="000000"/>
-                </a:solidFill>
-                <a:latin typeface="이사만루체 Light" panose="00000300000000000000" pitchFamily="2" charset="-127"/>
-                <a:ea typeface="이사만루체 Light" panose="00000300000000000000" pitchFamily="2" charset="-127"/>
-              </a:rPr>
-              <a:t>프로젝트수행계획서</a:t>
-            </a:r>
-            <a:r>
-              <a:rPr lang="en-US" sz="700" b="0" strike="noStrike" spc="-1" dirty="0">
-                <a:solidFill>
-                  <a:srgbClr val="000000"/>
-                </a:solidFill>
-                <a:latin typeface="이사만루체 Light" panose="00000300000000000000" pitchFamily="2" charset="-127"/>
-                <a:ea typeface="이사만루체 Light" panose="00000300000000000000" pitchFamily="2" charset="-127"/>
-              </a:rPr>
-              <a:t>, WBS(Work Breakdown Structure)</a:t>
-            </a:r>
-            <a:endParaRPr lang="en-US" sz="700" b="0" strike="noStrike" spc="-1" dirty="0">
-              <a:latin typeface="이사만루체 Light" panose="00000300000000000000" pitchFamily="2" charset="-127"/>
-              <a:ea typeface="이사만루체 Light" panose="00000300000000000000" pitchFamily="2" charset="-127"/>
-            </a:endParaRPr>
-          </a:p>
-          <a:p>
-            <a:pPr>
-              <a:lnSpc>
-                <a:spcPct val="100000"/>
-              </a:lnSpc>
-            </a:pPr>
-            <a:endParaRPr lang="en-US" sz="700" b="0" strike="noStrike" spc="-1" dirty="0">
-              <a:latin typeface="이사만루체 Light" panose="00000300000000000000" pitchFamily="2" charset="-127"/>
-              <a:ea typeface="이사만루체 Light" panose="00000300000000000000" pitchFamily="2" charset="-127"/>
-            </a:endParaRPr>
-          </a:p>
-          <a:p>
-            <a:pPr marL="171360" indent="-171360">
-              <a:lnSpc>
-                <a:spcPct val="100000"/>
-              </a:lnSpc>
-              <a:buClr>
-                <a:srgbClr val="000000"/>
-              </a:buClr>
-              <a:buFont typeface="Noto Sans Symbols"/>
-              <a:buChar char="▪"/>
-            </a:pPr>
-            <a:r>
-              <a:rPr lang="ko-KR" sz="700" b="0" strike="noStrike" spc="-1" dirty="0">
-                <a:solidFill>
-                  <a:srgbClr val="000000"/>
-                </a:solidFill>
-                <a:latin typeface="이사만루체 Light" panose="00000300000000000000" pitchFamily="2" charset="-127"/>
-                <a:ea typeface="이사만루체 Light" panose="00000300000000000000" pitchFamily="2" charset="-127"/>
-              </a:rPr>
-              <a:t>식별된 위험 목록</a:t>
-            </a:r>
-            <a:endParaRPr lang="en-US" sz="700" b="0" strike="noStrike" spc="-1" dirty="0">
-              <a:latin typeface="이사만루체 Light" panose="00000300000000000000" pitchFamily="2" charset="-127"/>
-              <a:ea typeface="이사만루체 Light" panose="00000300000000000000" pitchFamily="2" charset="-127"/>
-            </a:endParaRPr>
-          </a:p>
-          <a:p>
-            <a:pPr marL="171360" indent="-171360">
-              <a:lnSpc>
-                <a:spcPct val="100000"/>
-              </a:lnSpc>
-              <a:buClr>
-                <a:srgbClr val="000000"/>
-              </a:buClr>
-              <a:buFont typeface="Noto Sans Symbols"/>
-              <a:buChar char="▪"/>
-            </a:pPr>
-            <a:r>
-              <a:rPr lang="ko-KR" sz="700" b="0" strike="noStrike" spc="-1" dirty="0">
-                <a:solidFill>
-                  <a:srgbClr val="000000"/>
-                </a:solidFill>
-                <a:latin typeface="이사만루체 Light" panose="00000300000000000000" pitchFamily="2" charset="-127"/>
-                <a:ea typeface="이사만루체 Light" panose="00000300000000000000" pitchFamily="2" charset="-127"/>
-              </a:rPr>
-              <a:t>위험관리계획서</a:t>
-            </a:r>
-            <a:endParaRPr lang="en-US" sz="700" b="0" strike="noStrike" spc="-1" dirty="0">
-              <a:latin typeface="이사만루체 Light" panose="00000300000000000000" pitchFamily="2" charset="-127"/>
-              <a:ea typeface="이사만루체 Light" panose="00000300000000000000" pitchFamily="2" charset="-127"/>
-            </a:endParaRPr>
-          </a:p>
-        </p:txBody>
-      </p:sp>
-      <p:sp>
-        <p:nvSpPr>
-          <p:cNvPr id="20" name="Google Shape;178;p22">
-            <a:extLst>
-              <a:ext uri="{FF2B5EF4-FFF2-40B4-BE49-F238E27FC236}">
-                <a16:creationId xmlns:a16="http://schemas.microsoft.com/office/drawing/2014/main" id="{233C01E5-692F-8128-1FE0-39610F39029B}"/>
-              </a:ext>
-            </a:extLst>
-          </p:cNvPr>
-          <p:cNvSpPr/>
-          <p:nvPr/>
-        </p:nvSpPr>
-        <p:spPr>
-          <a:xfrm>
-            <a:off x="3200400" y="4533120"/>
-            <a:ext cx="2221560" cy="1910160"/>
-          </a:xfrm>
-          <a:prstGeom prst="rect">
-            <a:avLst/>
-          </a:prstGeom>
-          <a:gradFill rotWithShape="0">
-            <a:gsLst>
-              <a:gs pos="0">
-                <a:srgbClr val="F2F2F2"/>
-              </a:gs>
-              <a:gs pos="50000">
-                <a:srgbClr val="E6E6E6"/>
-              </a:gs>
-              <a:gs pos="100000">
-                <a:srgbClr val="F2F2F2"/>
-              </a:gs>
-            </a:gsLst>
-            <a:lin ang="5400000"/>
-          </a:gradFill>
-          <a:ln w="9525">
-            <a:solidFill>
-              <a:srgbClr val="A5A5A5"/>
-            </a:solidFill>
-            <a:miter/>
-          </a:ln>
-        </p:spPr>
-        <p:style>
-          <a:lnRef idx="0">
-            <a:scrgbClr r="0" g="0" b="0"/>
-          </a:lnRef>
-          <a:fillRef idx="0">
-            <a:scrgbClr r="0" g="0" b="0"/>
-          </a:fillRef>
-          <a:effectRef idx="0">
-            <a:scrgbClr r="0" g="0" b="0"/>
-          </a:effectRef>
-          <a:fontRef idx="minor"/>
-        </p:style>
-        <p:txBody>
-          <a:bodyPr lIns="90000" tIns="45000" rIns="90000" bIns="45000" anchor="t">
-            <a:noAutofit/>
-          </a:bodyPr>
-          <a:lstStyle/>
-          <a:p>
-            <a:pPr marL="171360" indent="-171360">
-              <a:lnSpc>
-                <a:spcPct val="100000"/>
-              </a:lnSpc>
-              <a:buClr>
-                <a:srgbClr val="000000"/>
-              </a:buClr>
-              <a:buFont typeface="Noto Sans Symbols"/>
-              <a:buChar char="▪"/>
-            </a:pPr>
-            <a:r>
-              <a:rPr lang="ko-KR" sz="700" b="0" strike="noStrike" spc="-1">
-                <a:solidFill>
-                  <a:srgbClr val="000000"/>
-                </a:solidFill>
-                <a:latin typeface="이사만루체 Light" panose="00000300000000000000" pitchFamily="2" charset="-127"/>
-                <a:ea typeface="이사만루체 Light" panose="00000300000000000000" pitchFamily="2" charset="-127"/>
-              </a:rPr>
-              <a:t>데이터정의서</a:t>
-            </a:r>
-            <a:endParaRPr lang="en-US" sz="700" b="0" strike="noStrike" spc="-1">
-              <a:latin typeface="이사만루체 Light" panose="00000300000000000000" pitchFamily="2" charset="-127"/>
-              <a:ea typeface="이사만루체 Light" panose="00000300000000000000" pitchFamily="2" charset="-127"/>
-            </a:endParaRPr>
-          </a:p>
-          <a:p>
-            <a:pPr marL="171360" indent="-171360">
-              <a:lnSpc>
-                <a:spcPct val="100000"/>
-              </a:lnSpc>
-              <a:buClr>
-                <a:srgbClr val="000000"/>
-              </a:buClr>
-              <a:buFont typeface="Noto Sans Symbols"/>
-              <a:buChar char="▪"/>
-            </a:pPr>
-            <a:r>
-              <a:rPr lang="ko-KR" sz="700" b="0" strike="noStrike" spc="-1">
-                <a:solidFill>
-                  <a:srgbClr val="000000"/>
-                </a:solidFill>
-                <a:latin typeface="이사만루체 Light" panose="00000300000000000000" pitchFamily="2" charset="-127"/>
-                <a:ea typeface="이사만루체 Light" panose="00000300000000000000" pitchFamily="2" charset="-127"/>
-              </a:rPr>
-              <a:t>데이터 획득계획서</a:t>
-            </a:r>
-            <a:endParaRPr lang="en-US" sz="700" b="0" strike="noStrike" spc="-1">
-              <a:latin typeface="이사만루체 Light" panose="00000300000000000000" pitchFamily="2" charset="-127"/>
-              <a:ea typeface="이사만루체 Light" panose="00000300000000000000" pitchFamily="2" charset="-127"/>
-            </a:endParaRPr>
-          </a:p>
-          <a:p>
-            <a:pPr>
-              <a:lnSpc>
-                <a:spcPct val="100000"/>
-              </a:lnSpc>
-            </a:pPr>
-            <a:endParaRPr lang="en-US" sz="700" b="0" strike="noStrike" spc="-1">
-              <a:latin typeface="이사만루체 Light" panose="00000300000000000000" pitchFamily="2" charset="-127"/>
-              <a:ea typeface="이사만루체 Light" panose="00000300000000000000" pitchFamily="2" charset="-127"/>
-            </a:endParaRPr>
-          </a:p>
-          <a:p>
-            <a:pPr marL="171360" indent="-171360">
-              <a:lnSpc>
-                <a:spcPct val="100000"/>
-              </a:lnSpc>
-              <a:buClr>
-                <a:srgbClr val="000000"/>
-              </a:buClr>
-              <a:buFont typeface="Noto Sans Symbols"/>
-              <a:buChar char="▪"/>
-            </a:pPr>
-            <a:r>
-              <a:rPr lang="ko-KR" sz="700" b="0" strike="noStrike" spc="-1">
-                <a:solidFill>
-                  <a:srgbClr val="000000"/>
-                </a:solidFill>
-                <a:latin typeface="이사만루체 Light" panose="00000300000000000000" pitchFamily="2" charset="-127"/>
-                <a:ea typeface="이사만루체 Light" panose="00000300000000000000" pitchFamily="2" charset="-127"/>
-              </a:rPr>
-              <a:t>정형데이터스토어설계서</a:t>
-            </a:r>
-            <a:r>
-              <a:rPr lang="en-US" sz="700" b="0" strike="noStrike" spc="-1">
-                <a:solidFill>
-                  <a:srgbClr val="000000"/>
-                </a:solidFill>
-                <a:latin typeface="이사만루체 Light" panose="00000300000000000000" pitchFamily="2" charset="-127"/>
-                <a:ea typeface="이사만루체 Light" panose="00000300000000000000" pitchFamily="2" charset="-127"/>
-              </a:rPr>
-              <a:t>, </a:t>
-            </a:r>
-            <a:r>
-              <a:rPr lang="ko-KR" sz="700" b="0" strike="noStrike" spc="-1">
-                <a:solidFill>
-                  <a:srgbClr val="000000"/>
-                </a:solidFill>
-                <a:latin typeface="이사만루체 Light" panose="00000300000000000000" pitchFamily="2" charset="-127"/>
-                <a:ea typeface="이사만루체 Light" panose="00000300000000000000" pitchFamily="2" charset="-127"/>
-              </a:rPr>
-              <a:t>데이터매핑정의서</a:t>
-            </a:r>
-            <a:endParaRPr lang="en-US" sz="700" b="0" strike="noStrike" spc="-1">
-              <a:latin typeface="이사만루체 Light" panose="00000300000000000000" pitchFamily="2" charset="-127"/>
-              <a:ea typeface="이사만루체 Light" panose="00000300000000000000" pitchFamily="2" charset="-127"/>
-            </a:endParaRPr>
-          </a:p>
-          <a:p>
-            <a:pPr marL="171360" indent="-171360">
-              <a:lnSpc>
-                <a:spcPct val="100000"/>
-              </a:lnSpc>
-              <a:buClr>
-                <a:srgbClr val="000000"/>
-              </a:buClr>
-              <a:buFont typeface="Noto Sans Symbols"/>
-              <a:buChar char="▪"/>
-            </a:pPr>
-            <a:r>
-              <a:rPr lang="ko-KR" sz="700" b="0" strike="noStrike" spc="-1">
-                <a:solidFill>
-                  <a:srgbClr val="000000"/>
-                </a:solidFill>
-                <a:latin typeface="이사만루체 Light" panose="00000300000000000000" pitchFamily="2" charset="-127"/>
-                <a:ea typeface="이사만루체 Light" panose="00000300000000000000" pitchFamily="2" charset="-127"/>
-              </a:rPr>
-              <a:t>비정형데이터스토어설계서</a:t>
-            </a:r>
-            <a:r>
-              <a:rPr lang="en-US" sz="700" b="0" strike="noStrike" spc="-1">
-                <a:solidFill>
-                  <a:srgbClr val="000000"/>
-                </a:solidFill>
-                <a:latin typeface="이사만루체 Light" panose="00000300000000000000" pitchFamily="2" charset="-127"/>
-                <a:ea typeface="이사만루체 Light" panose="00000300000000000000" pitchFamily="2" charset="-127"/>
-              </a:rPr>
-              <a:t>, </a:t>
-            </a:r>
-            <a:r>
-              <a:rPr lang="ko-KR" sz="700" b="0" strike="noStrike" spc="-1">
-                <a:solidFill>
-                  <a:srgbClr val="000000"/>
-                </a:solidFill>
-                <a:latin typeface="이사만루체 Light" panose="00000300000000000000" pitchFamily="2" charset="-127"/>
-                <a:ea typeface="이사만루체 Light" panose="00000300000000000000" pitchFamily="2" charset="-127"/>
-              </a:rPr>
-              <a:t>데이터매핑정의서</a:t>
-            </a:r>
-            <a:endParaRPr lang="en-US" sz="700" b="0" strike="noStrike" spc="-1">
-              <a:latin typeface="이사만루체 Light" panose="00000300000000000000" pitchFamily="2" charset="-127"/>
-              <a:ea typeface="이사만루체 Light" panose="00000300000000000000" pitchFamily="2" charset="-127"/>
-            </a:endParaRPr>
-          </a:p>
-          <a:p>
-            <a:pPr>
-              <a:lnSpc>
-                <a:spcPct val="100000"/>
-              </a:lnSpc>
-            </a:pPr>
-            <a:endParaRPr lang="en-US" sz="700" b="0" strike="noStrike" spc="-1">
-              <a:latin typeface="이사만루체 Light" panose="00000300000000000000" pitchFamily="2" charset="-127"/>
-              <a:ea typeface="이사만루체 Light" panose="00000300000000000000" pitchFamily="2" charset="-127"/>
-            </a:endParaRPr>
-          </a:p>
-          <a:p>
-            <a:pPr marL="171360" indent="-171360">
-              <a:lnSpc>
-                <a:spcPct val="100000"/>
-              </a:lnSpc>
-              <a:buClr>
-                <a:srgbClr val="000000"/>
-              </a:buClr>
-              <a:buFont typeface="Noto Sans Symbols"/>
-              <a:buChar char="▪"/>
-            </a:pPr>
-            <a:r>
-              <a:rPr lang="ko-KR" sz="700" b="0" strike="noStrike" spc="-1">
-                <a:solidFill>
-                  <a:srgbClr val="000000"/>
-                </a:solidFill>
-                <a:latin typeface="이사만루체 Light" panose="00000300000000000000" pitchFamily="2" charset="-127"/>
-                <a:ea typeface="이사만루체 Light" panose="00000300000000000000" pitchFamily="2" charset="-127"/>
-              </a:rPr>
-              <a:t>수집된 분석용데이터</a:t>
-            </a:r>
-            <a:endParaRPr lang="en-US" sz="700" b="0" strike="noStrike" spc="-1">
-              <a:latin typeface="이사만루체 Light" panose="00000300000000000000" pitchFamily="2" charset="-127"/>
-              <a:ea typeface="이사만루체 Light" panose="00000300000000000000" pitchFamily="2" charset="-127"/>
-            </a:endParaRPr>
-          </a:p>
-          <a:p>
-            <a:pPr marL="171360" indent="-171360">
-              <a:lnSpc>
-                <a:spcPct val="100000"/>
-              </a:lnSpc>
-              <a:buClr>
-                <a:srgbClr val="000000"/>
-              </a:buClr>
-              <a:buFont typeface="Noto Sans Symbols"/>
-              <a:buChar char="▪"/>
-            </a:pPr>
-            <a:r>
-              <a:rPr lang="ko-KR" sz="700" b="0" strike="noStrike" spc="-1">
-                <a:solidFill>
-                  <a:srgbClr val="000000"/>
-                </a:solidFill>
-                <a:latin typeface="이사만루체 Light" panose="00000300000000000000" pitchFamily="2" charset="-127"/>
-                <a:ea typeface="이사만루체 Light" panose="00000300000000000000" pitchFamily="2" charset="-127"/>
-              </a:rPr>
-              <a:t>데이터정합성 점검 보고서</a:t>
-            </a:r>
-            <a:endParaRPr lang="en-US" sz="700" b="0" strike="noStrike" spc="-1">
-              <a:latin typeface="이사만루체 Light" panose="00000300000000000000" pitchFamily="2" charset="-127"/>
-              <a:ea typeface="이사만루체 Light" panose="00000300000000000000" pitchFamily="2" charset="-127"/>
-            </a:endParaRPr>
-          </a:p>
-          <a:p>
-            <a:pPr marL="171360" indent="-108000">
-              <a:lnSpc>
-                <a:spcPct val="100000"/>
-              </a:lnSpc>
-              <a:tabLst>
-                <a:tab pos="0" algn="l"/>
-              </a:tabLst>
-            </a:pPr>
-            <a:endParaRPr lang="en-US" sz="700" b="0" strike="noStrike" spc="-1">
-              <a:latin typeface="이사만루체 Light" panose="00000300000000000000" pitchFamily="2" charset="-127"/>
-              <a:ea typeface="이사만루체 Light" panose="00000300000000000000" pitchFamily="2" charset="-127"/>
-            </a:endParaRPr>
-          </a:p>
-        </p:txBody>
-      </p:sp>
-      <p:sp>
-        <p:nvSpPr>
-          <p:cNvPr id="21" name="Google Shape;179;p22">
-            <a:extLst>
-              <a:ext uri="{FF2B5EF4-FFF2-40B4-BE49-F238E27FC236}">
-                <a16:creationId xmlns:a16="http://schemas.microsoft.com/office/drawing/2014/main" id="{C09A4A53-513F-4C98-C252-DD44DC526263}"/>
-              </a:ext>
-            </a:extLst>
-          </p:cNvPr>
-          <p:cNvSpPr/>
-          <p:nvPr/>
-        </p:nvSpPr>
-        <p:spPr>
-          <a:xfrm>
-            <a:off x="5493240" y="4533120"/>
-            <a:ext cx="2525760" cy="1910160"/>
-          </a:xfrm>
-          <a:prstGeom prst="rect">
-            <a:avLst/>
-          </a:prstGeom>
-          <a:gradFill rotWithShape="0">
-            <a:gsLst>
-              <a:gs pos="0">
-                <a:srgbClr val="F2F2F2"/>
-              </a:gs>
-              <a:gs pos="50000">
-                <a:srgbClr val="E6E6E6"/>
-              </a:gs>
-              <a:gs pos="100000">
-                <a:srgbClr val="F2F2F2"/>
-              </a:gs>
-            </a:gsLst>
-            <a:lin ang="5400000"/>
-          </a:gradFill>
-          <a:ln w="9525">
-            <a:solidFill>
-              <a:srgbClr val="A5A5A5"/>
-            </a:solidFill>
-            <a:miter/>
-          </a:ln>
-        </p:spPr>
-        <p:style>
-          <a:lnRef idx="0">
-            <a:scrgbClr r="0" g="0" b="0"/>
-          </a:lnRef>
-          <a:fillRef idx="0">
-            <a:scrgbClr r="0" g="0" b="0"/>
-          </a:fillRef>
-          <a:effectRef idx="0">
-            <a:scrgbClr r="0" g="0" b="0"/>
-          </a:effectRef>
-          <a:fontRef idx="minor"/>
-        </p:style>
-        <p:txBody>
-          <a:bodyPr lIns="90000" tIns="45000" rIns="90000" bIns="45000" anchor="t">
-            <a:noAutofit/>
-          </a:bodyPr>
-          <a:lstStyle/>
-          <a:p>
-            <a:pPr marL="171360" indent="-171360">
-              <a:lnSpc>
-                <a:spcPct val="100000"/>
-              </a:lnSpc>
-              <a:buClr>
-                <a:srgbClr val="000000"/>
-              </a:buClr>
-              <a:buFont typeface="Noto Sans Symbols"/>
-              <a:buChar char="▪"/>
-            </a:pPr>
-            <a:r>
-              <a:rPr lang="ko-KR" sz="700" b="0" strike="noStrike" spc="-1">
-                <a:solidFill>
-                  <a:srgbClr val="000000"/>
-                </a:solidFill>
-                <a:latin typeface="이사만루체 Light" panose="00000300000000000000" pitchFamily="2" charset="-127"/>
-                <a:ea typeface="이사만루체 Light" panose="00000300000000000000" pitchFamily="2" charset="-127"/>
-              </a:rPr>
-              <a:t>비즈니스룰</a:t>
-            </a:r>
-            <a:r>
-              <a:rPr lang="en-US" sz="700" b="0" strike="noStrike" spc="-1">
-                <a:solidFill>
-                  <a:srgbClr val="000000"/>
-                </a:solidFill>
-                <a:latin typeface="이사만루체 Light" panose="00000300000000000000" pitchFamily="2" charset="-127"/>
-                <a:ea typeface="이사만루체 Light" panose="00000300000000000000" pitchFamily="2" charset="-127"/>
-              </a:rPr>
-              <a:t>, </a:t>
-            </a:r>
-            <a:r>
-              <a:rPr lang="ko-KR" sz="700" b="0" strike="noStrike" spc="-1">
-                <a:solidFill>
-                  <a:srgbClr val="000000"/>
-                </a:solidFill>
-                <a:latin typeface="이사만루체 Light" panose="00000300000000000000" pitchFamily="2" charset="-127"/>
-                <a:ea typeface="이사만루체 Light" panose="00000300000000000000" pitchFamily="2" charset="-127"/>
-              </a:rPr>
-              <a:t>분석에 필요한 데이터범위</a:t>
-            </a:r>
-            <a:endParaRPr lang="en-US" sz="700" b="0" strike="noStrike" spc="-1">
-              <a:latin typeface="이사만루체 Light" panose="00000300000000000000" pitchFamily="2" charset="-127"/>
-              <a:ea typeface="이사만루체 Light" panose="00000300000000000000" pitchFamily="2" charset="-127"/>
-            </a:endParaRPr>
-          </a:p>
-          <a:p>
-            <a:pPr marL="171360" indent="-171360">
-              <a:lnSpc>
-                <a:spcPct val="100000"/>
-              </a:lnSpc>
-              <a:buClr>
-                <a:srgbClr val="000000"/>
-              </a:buClr>
-              <a:buFont typeface="Noto Sans Symbols"/>
-              <a:buChar char="▪"/>
-            </a:pPr>
-            <a:r>
-              <a:rPr lang="ko-KR" sz="700" b="0" strike="noStrike" spc="-1">
-                <a:solidFill>
-                  <a:srgbClr val="000000"/>
-                </a:solidFill>
-                <a:latin typeface="이사만루체 Light" panose="00000300000000000000" pitchFamily="2" charset="-127"/>
-                <a:ea typeface="이사만루체 Light" panose="00000300000000000000" pitchFamily="2" charset="-127"/>
-              </a:rPr>
-              <a:t>분석용 데이터셑</a:t>
-            </a:r>
-            <a:endParaRPr lang="en-US" sz="700" b="0" strike="noStrike" spc="-1">
-              <a:latin typeface="이사만루체 Light" panose="00000300000000000000" pitchFamily="2" charset="-127"/>
-              <a:ea typeface="이사만루체 Light" panose="00000300000000000000" pitchFamily="2" charset="-127"/>
-            </a:endParaRPr>
-          </a:p>
-          <a:p>
-            <a:pPr>
-              <a:lnSpc>
-                <a:spcPct val="100000"/>
-              </a:lnSpc>
-            </a:pPr>
-            <a:endParaRPr lang="en-US" sz="700" b="0" strike="noStrike" spc="-1">
-              <a:latin typeface="이사만루체 Light" panose="00000300000000000000" pitchFamily="2" charset="-127"/>
-              <a:ea typeface="이사만루체 Light" panose="00000300000000000000" pitchFamily="2" charset="-127"/>
-            </a:endParaRPr>
-          </a:p>
-          <a:p>
-            <a:pPr marL="171360" indent="-171360">
-              <a:lnSpc>
-                <a:spcPct val="100000"/>
-              </a:lnSpc>
-              <a:buClr>
-                <a:srgbClr val="000000"/>
-              </a:buClr>
-              <a:buFont typeface="Noto Sans Symbols"/>
-              <a:buChar char="▪"/>
-            </a:pPr>
-            <a:r>
-              <a:rPr lang="ko-KR" sz="700" b="0" strike="noStrike" spc="-1">
-                <a:solidFill>
-                  <a:srgbClr val="000000"/>
-                </a:solidFill>
-                <a:latin typeface="이사만루체 Light" panose="00000300000000000000" pitchFamily="2" charset="-127"/>
-                <a:ea typeface="이사만루체 Light" panose="00000300000000000000" pitchFamily="2" charset="-127"/>
-              </a:rPr>
-              <a:t>분석용 텍스트 데이터</a:t>
-            </a:r>
-            <a:endParaRPr lang="en-US" sz="700" b="0" strike="noStrike" spc="-1">
-              <a:latin typeface="이사만루체 Light" panose="00000300000000000000" pitchFamily="2" charset="-127"/>
-              <a:ea typeface="이사만루체 Light" panose="00000300000000000000" pitchFamily="2" charset="-127"/>
-            </a:endParaRPr>
-          </a:p>
-          <a:p>
-            <a:pPr marL="171360" indent="-171360">
-              <a:lnSpc>
-                <a:spcPct val="100000"/>
-              </a:lnSpc>
-              <a:buClr>
-                <a:srgbClr val="000000"/>
-              </a:buClr>
-              <a:buFont typeface="Noto Sans Symbols"/>
-              <a:buChar char="▪"/>
-            </a:pPr>
-            <a:r>
-              <a:rPr lang="ko-KR" sz="700" b="0" strike="noStrike" spc="-1">
-                <a:solidFill>
-                  <a:srgbClr val="000000"/>
-                </a:solidFill>
-                <a:latin typeface="이사만루체 Light" panose="00000300000000000000" pitchFamily="2" charset="-127"/>
-                <a:ea typeface="이사만루체 Light" panose="00000300000000000000" pitchFamily="2" charset="-127"/>
-              </a:rPr>
-              <a:t>텍스트 분석보고서</a:t>
-            </a:r>
-            <a:endParaRPr lang="en-US" sz="700" b="0" strike="noStrike" spc="-1">
-              <a:latin typeface="이사만루체 Light" panose="00000300000000000000" pitchFamily="2" charset="-127"/>
-              <a:ea typeface="이사만루체 Light" panose="00000300000000000000" pitchFamily="2" charset="-127"/>
-            </a:endParaRPr>
-          </a:p>
-          <a:p>
-            <a:pPr>
-              <a:lnSpc>
-                <a:spcPct val="100000"/>
-              </a:lnSpc>
-            </a:pPr>
-            <a:endParaRPr lang="en-US" sz="700" b="0" strike="noStrike" spc="-1">
-              <a:latin typeface="이사만루체 Light" panose="00000300000000000000" pitchFamily="2" charset="-127"/>
-              <a:ea typeface="이사만루체 Light" panose="00000300000000000000" pitchFamily="2" charset="-127"/>
-            </a:endParaRPr>
-          </a:p>
-          <a:p>
-            <a:pPr marL="171360" indent="-171360">
-              <a:lnSpc>
-                <a:spcPct val="100000"/>
-              </a:lnSpc>
-              <a:buClr>
-                <a:srgbClr val="000000"/>
-              </a:buClr>
-              <a:buFont typeface="Noto Sans Symbols"/>
-              <a:buChar char="▪"/>
-            </a:pPr>
-            <a:r>
-              <a:rPr lang="ko-KR" sz="700" b="0" strike="noStrike" spc="-1">
-                <a:solidFill>
-                  <a:srgbClr val="000000"/>
-                </a:solidFill>
-                <a:latin typeface="이사만루체 Light" panose="00000300000000000000" pitchFamily="2" charset="-127"/>
-                <a:ea typeface="이사만루체 Light" panose="00000300000000000000" pitchFamily="2" charset="-127"/>
-              </a:rPr>
-              <a:t>데이터탐색보고서</a:t>
-            </a:r>
-            <a:endParaRPr lang="en-US" sz="700" b="0" strike="noStrike" spc="-1">
-              <a:latin typeface="이사만루체 Light" panose="00000300000000000000" pitchFamily="2" charset="-127"/>
-              <a:ea typeface="이사만루체 Light" panose="00000300000000000000" pitchFamily="2" charset="-127"/>
-            </a:endParaRPr>
-          </a:p>
-          <a:p>
-            <a:pPr marL="171360" indent="-171360">
-              <a:lnSpc>
-                <a:spcPct val="100000"/>
-              </a:lnSpc>
-              <a:buClr>
-                <a:srgbClr val="000000"/>
-              </a:buClr>
-              <a:buFont typeface="Noto Sans Symbols"/>
-              <a:buChar char="▪"/>
-            </a:pPr>
-            <a:r>
-              <a:rPr lang="ko-KR" sz="700" b="0" strike="noStrike" spc="-1">
-                <a:solidFill>
-                  <a:srgbClr val="000000"/>
-                </a:solidFill>
-                <a:latin typeface="이사만루체 Light" panose="00000300000000000000" pitchFamily="2" charset="-127"/>
-                <a:ea typeface="이사만루체 Light" panose="00000300000000000000" pitchFamily="2" charset="-127"/>
-              </a:rPr>
-              <a:t>데이터시각화보고서</a:t>
-            </a:r>
-            <a:endParaRPr lang="en-US" sz="700" b="0" strike="noStrike" spc="-1">
-              <a:latin typeface="이사만루체 Light" panose="00000300000000000000" pitchFamily="2" charset="-127"/>
-              <a:ea typeface="이사만루체 Light" panose="00000300000000000000" pitchFamily="2" charset="-127"/>
-            </a:endParaRPr>
-          </a:p>
-          <a:p>
-            <a:pPr>
-              <a:lnSpc>
-                <a:spcPct val="100000"/>
-              </a:lnSpc>
-            </a:pPr>
-            <a:endParaRPr lang="en-US" sz="700" b="0" strike="noStrike" spc="-1">
-              <a:latin typeface="이사만루체 Light" panose="00000300000000000000" pitchFamily="2" charset="-127"/>
-              <a:ea typeface="이사만루체 Light" panose="00000300000000000000" pitchFamily="2" charset="-127"/>
-            </a:endParaRPr>
-          </a:p>
-          <a:p>
-            <a:pPr marL="171360" indent="-171360">
-              <a:lnSpc>
-                <a:spcPct val="100000"/>
-              </a:lnSpc>
-              <a:buClr>
-                <a:srgbClr val="000000"/>
-              </a:buClr>
-              <a:buFont typeface="Noto Sans Symbols"/>
-              <a:buChar char="▪"/>
-            </a:pPr>
-            <a:r>
-              <a:rPr lang="ko-KR" sz="700" b="0" strike="noStrike" spc="-1">
-                <a:solidFill>
-                  <a:srgbClr val="000000"/>
-                </a:solidFill>
-                <a:latin typeface="이사만루체 Light" panose="00000300000000000000" pitchFamily="2" charset="-127"/>
-                <a:ea typeface="이사만루체 Light" panose="00000300000000000000" pitchFamily="2" charset="-127"/>
-              </a:rPr>
-              <a:t>훈련용데이터</a:t>
-            </a:r>
-            <a:r>
-              <a:rPr lang="en-US" sz="700" b="0" strike="noStrike" spc="-1">
-                <a:solidFill>
-                  <a:srgbClr val="000000"/>
-                </a:solidFill>
-                <a:latin typeface="이사만루체 Light" panose="00000300000000000000" pitchFamily="2" charset="-127"/>
-                <a:ea typeface="이사만루체 Light" panose="00000300000000000000" pitchFamily="2" charset="-127"/>
-              </a:rPr>
-              <a:t>, </a:t>
-            </a:r>
-            <a:r>
-              <a:rPr lang="ko-KR" sz="700" b="0" strike="noStrike" spc="-1">
-                <a:solidFill>
-                  <a:srgbClr val="000000"/>
-                </a:solidFill>
-                <a:latin typeface="이사만루체 Light" panose="00000300000000000000" pitchFamily="2" charset="-127"/>
-                <a:ea typeface="이사만루체 Light" panose="00000300000000000000" pitchFamily="2" charset="-127"/>
-              </a:rPr>
-              <a:t>테스트용데이터</a:t>
-            </a:r>
-            <a:endParaRPr lang="en-US" sz="700" b="0" strike="noStrike" spc="-1">
-              <a:latin typeface="이사만루체 Light" panose="00000300000000000000" pitchFamily="2" charset="-127"/>
-              <a:ea typeface="이사만루체 Light" panose="00000300000000000000" pitchFamily="2" charset="-127"/>
-            </a:endParaRPr>
-          </a:p>
-          <a:p>
-            <a:pPr marL="171360" indent="-171360">
-              <a:lnSpc>
-                <a:spcPct val="100000"/>
-              </a:lnSpc>
-              <a:buClr>
-                <a:srgbClr val="000000"/>
-              </a:buClr>
-              <a:buFont typeface="Noto Sans Symbols"/>
-              <a:buChar char="▪"/>
-            </a:pPr>
-            <a:r>
-              <a:rPr lang="ko-KR" sz="700" b="0" strike="noStrike" spc="-1">
-                <a:solidFill>
-                  <a:srgbClr val="000000"/>
-                </a:solidFill>
-                <a:latin typeface="이사만루체 Light" panose="00000300000000000000" pitchFamily="2" charset="-127"/>
-                <a:ea typeface="이사만루체 Light" panose="00000300000000000000" pitchFamily="2" charset="-127"/>
-              </a:rPr>
-              <a:t>모델링결과보고서</a:t>
-            </a:r>
-            <a:endParaRPr lang="en-US" sz="700" b="0" strike="noStrike" spc="-1">
-              <a:latin typeface="이사만루체 Light" panose="00000300000000000000" pitchFamily="2" charset="-127"/>
-              <a:ea typeface="이사만루체 Light" panose="00000300000000000000" pitchFamily="2" charset="-127"/>
-            </a:endParaRPr>
-          </a:p>
-          <a:p>
-            <a:pPr marL="171360" indent="-171360">
-              <a:lnSpc>
-                <a:spcPct val="100000"/>
-              </a:lnSpc>
-              <a:buClr>
-                <a:srgbClr val="000000"/>
-              </a:buClr>
-              <a:buFont typeface="Noto Sans Symbols"/>
-              <a:buChar char="▪"/>
-            </a:pPr>
-            <a:r>
-              <a:rPr lang="ko-KR" sz="700" b="0" strike="noStrike" spc="-1">
-                <a:solidFill>
-                  <a:srgbClr val="000000"/>
-                </a:solidFill>
-                <a:latin typeface="이사만루체 Light" panose="00000300000000000000" pitchFamily="2" charset="-127"/>
-                <a:ea typeface="이사만루체 Light" panose="00000300000000000000" pitchFamily="2" charset="-127"/>
-              </a:rPr>
-              <a:t>알고리즘설명서</a:t>
-            </a:r>
-            <a:r>
-              <a:rPr lang="en-US" sz="700" b="0" strike="noStrike" spc="-1">
-                <a:solidFill>
-                  <a:srgbClr val="000000"/>
-                </a:solidFill>
-                <a:latin typeface="이사만루체 Light" panose="00000300000000000000" pitchFamily="2" charset="-127"/>
-                <a:ea typeface="이사만루체 Light" panose="00000300000000000000" pitchFamily="2" charset="-127"/>
-              </a:rPr>
-              <a:t>, </a:t>
-            </a:r>
-            <a:r>
-              <a:rPr lang="ko-KR" sz="700" b="0" strike="noStrike" spc="-1">
-                <a:solidFill>
-                  <a:srgbClr val="000000"/>
-                </a:solidFill>
-                <a:latin typeface="이사만루체 Light" panose="00000300000000000000" pitchFamily="2" charset="-127"/>
-                <a:ea typeface="이사만루체 Light" panose="00000300000000000000" pitchFamily="2" charset="-127"/>
-              </a:rPr>
-              <a:t>모니터링방안</a:t>
-            </a:r>
-            <a:endParaRPr lang="en-US" sz="700" b="0" strike="noStrike" spc="-1">
-              <a:latin typeface="이사만루체 Light" panose="00000300000000000000" pitchFamily="2" charset="-127"/>
-              <a:ea typeface="이사만루체 Light" panose="00000300000000000000" pitchFamily="2" charset="-127"/>
-            </a:endParaRPr>
-          </a:p>
-          <a:p>
-            <a:pPr>
-              <a:lnSpc>
-                <a:spcPct val="100000"/>
-              </a:lnSpc>
-            </a:pPr>
-            <a:endParaRPr lang="en-US" sz="700" b="0" strike="noStrike" spc="-1">
-              <a:latin typeface="이사만루체 Light" panose="00000300000000000000" pitchFamily="2" charset="-127"/>
-              <a:ea typeface="이사만루체 Light" panose="00000300000000000000" pitchFamily="2" charset="-127"/>
-            </a:endParaRPr>
-          </a:p>
-          <a:p>
-            <a:pPr marL="171360" indent="-171360">
-              <a:lnSpc>
-                <a:spcPct val="100000"/>
-              </a:lnSpc>
-              <a:buClr>
-                <a:srgbClr val="000000"/>
-              </a:buClr>
-              <a:buFont typeface="Noto Sans Symbols"/>
-              <a:buChar char="▪"/>
-            </a:pPr>
-            <a:r>
-              <a:rPr lang="ko-KR" sz="700" b="0" strike="noStrike" spc="-1">
-                <a:solidFill>
-                  <a:srgbClr val="000000"/>
-                </a:solidFill>
-                <a:latin typeface="이사만루체 Light" panose="00000300000000000000" pitchFamily="2" charset="-127"/>
-                <a:ea typeface="이사만루체 Light" panose="00000300000000000000" pitchFamily="2" charset="-127"/>
-              </a:rPr>
-              <a:t>모델평가보고서</a:t>
-            </a:r>
-            <a:endParaRPr lang="en-US" sz="700" b="0" strike="noStrike" spc="-1">
-              <a:latin typeface="이사만루체 Light" panose="00000300000000000000" pitchFamily="2" charset="-127"/>
-              <a:ea typeface="이사만루체 Light" panose="00000300000000000000" pitchFamily="2" charset="-127"/>
-            </a:endParaRPr>
-          </a:p>
-          <a:p>
-            <a:pPr marL="171360" indent="-171360">
-              <a:lnSpc>
-                <a:spcPct val="100000"/>
-              </a:lnSpc>
-              <a:buClr>
-                <a:srgbClr val="000000"/>
-              </a:buClr>
-              <a:buFont typeface="Noto Sans Symbols"/>
-              <a:buChar char="▪"/>
-            </a:pPr>
-            <a:r>
-              <a:rPr lang="ko-KR" sz="700" b="0" strike="noStrike" spc="-1">
-                <a:solidFill>
-                  <a:srgbClr val="000000"/>
-                </a:solidFill>
-                <a:latin typeface="이사만루체 Light" panose="00000300000000000000" pitchFamily="2" charset="-127"/>
-                <a:ea typeface="이사만루체 Light" panose="00000300000000000000" pitchFamily="2" charset="-127"/>
-              </a:rPr>
-              <a:t>모델검증보고서</a:t>
-            </a:r>
-            <a:endParaRPr lang="en-US" sz="700" b="0" strike="noStrike" spc="-1">
-              <a:latin typeface="이사만루체 Light" panose="00000300000000000000" pitchFamily="2" charset="-127"/>
-              <a:ea typeface="이사만루체 Light" panose="00000300000000000000" pitchFamily="2" charset="-127"/>
-            </a:endParaRPr>
-          </a:p>
-        </p:txBody>
-      </p:sp>
-      <p:sp>
-        <p:nvSpPr>
-          <p:cNvPr id="22" name="Google Shape;180;p22">
-            <a:extLst>
-              <a:ext uri="{FF2B5EF4-FFF2-40B4-BE49-F238E27FC236}">
-                <a16:creationId xmlns:a16="http://schemas.microsoft.com/office/drawing/2014/main" id="{EA4DEB13-7AF5-BE67-526B-7F47384BB63A}"/>
-              </a:ext>
-            </a:extLst>
-          </p:cNvPr>
-          <p:cNvSpPr/>
-          <p:nvPr/>
-        </p:nvSpPr>
-        <p:spPr>
-          <a:xfrm>
-            <a:off x="9672480" y="4533120"/>
-            <a:ext cx="1321560" cy="1910160"/>
-          </a:xfrm>
-          <a:prstGeom prst="rect">
-            <a:avLst/>
-          </a:prstGeom>
-          <a:gradFill rotWithShape="0">
-            <a:gsLst>
-              <a:gs pos="0">
-                <a:srgbClr val="F2F2F2"/>
-              </a:gs>
-              <a:gs pos="50000">
-                <a:srgbClr val="E6E6E6"/>
-              </a:gs>
-              <a:gs pos="100000">
-                <a:srgbClr val="F2F2F2"/>
-              </a:gs>
-            </a:gsLst>
-            <a:lin ang="5400000"/>
-          </a:gradFill>
-          <a:ln w="9525">
-            <a:solidFill>
-              <a:srgbClr val="A5A5A5"/>
-            </a:solidFill>
-            <a:miter/>
-          </a:ln>
-        </p:spPr>
-        <p:style>
-          <a:lnRef idx="0">
-            <a:scrgbClr r="0" g="0" b="0"/>
-          </a:lnRef>
-          <a:fillRef idx="0">
-            <a:scrgbClr r="0" g="0" b="0"/>
-          </a:fillRef>
-          <a:effectRef idx="0">
-            <a:scrgbClr r="0" g="0" b="0"/>
-          </a:effectRef>
-          <a:fontRef idx="minor"/>
-        </p:style>
-        <p:txBody>
-          <a:bodyPr lIns="90000" tIns="45000" rIns="90000" bIns="45000" anchor="t">
-            <a:noAutofit/>
-          </a:bodyPr>
-          <a:lstStyle/>
-          <a:p>
-            <a:pPr marL="171360" indent="-171360">
-              <a:lnSpc>
-                <a:spcPct val="100000"/>
-              </a:lnSpc>
-              <a:buClr>
-                <a:srgbClr val="000000"/>
-              </a:buClr>
-              <a:buFont typeface="Noto Sans Symbols"/>
-              <a:buChar char="▪"/>
-            </a:pPr>
-            <a:r>
-              <a:rPr lang="ko-KR" sz="700" b="0" strike="noStrike" spc="-1">
-                <a:solidFill>
-                  <a:srgbClr val="000000"/>
-                </a:solidFill>
-                <a:latin typeface="이사만루체 Light" panose="00000300000000000000" pitchFamily="2" charset="-127"/>
-                <a:ea typeface="이사만루체 Light" panose="00000300000000000000" pitchFamily="2" charset="-127"/>
-              </a:rPr>
-              <a:t>모델 발전계획서</a:t>
-            </a:r>
-            <a:endParaRPr lang="en-US" sz="700" b="0" strike="noStrike" spc="-1">
-              <a:latin typeface="이사만루체 Light" panose="00000300000000000000" pitchFamily="2" charset="-127"/>
-              <a:ea typeface="이사만루체 Light" panose="00000300000000000000" pitchFamily="2" charset="-127"/>
-            </a:endParaRPr>
-          </a:p>
-          <a:p>
-            <a:pPr>
-              <a:lnSpc>
-                <a:spcPct val="100000"/>
-              </a:lnSpc>
-            </a:pPr>
-            <a:endParaRPr lang="en-US" sz="700" b="0" strike="noStrike" spc="-1">
-              <a:latin typeface="이사만루체 Light" panose="00000300000000000000" pitchFamily="2" charset="-127"/>
-              <a:ea typeface="이사만루체 Light" panose="00000300000000000000" pitchFamily="2" charset="-127"/>
-            </a:endParaRPr>
-          </a:p>
-          <a:p>
-            <a:pPr marL="171360" indent="-171360">
-              <a:lnSpc>
-                <a:spcPct val="100000"/>
-              </a:lnSpc>
-              <a:buClr>
-                <a:srgbClr val="000000"/>
-              </a:buClr>
-              <a:buFont typeface="Noto Sans Symbols"/>
-              <a:buChar char="▪"/>
-            </a:pPr>
-            <a:r>
-              <a:rPr lang="ko-KR" sz="700" b="0" strike="noStrike" spc="-1">
-                <a:solidFill>
-                  <a:srgbClr val="000000"/>
-                </a:solidFill>
-                <a:latin typeface="이사만루체 Light" panose="00000300000000000000" pitchFamily="2" charset="-127"/>
-                <a:ea typeface="이사만루체 Light" panose="00000300000000000000" pitchFamily="2" charset="-127"/>
-              </a:rPr>
-              <a:t>프로젝트 성과 평가서</a:t>
-            </a:r>
-            <a:endParaRPr lang="en-US" sz="700" b="0" strike="noStrike" spc="-1">
-              <a:latin typeface="이사만루체 Light" panose="00000300000000000000" pitchFamily="2" charset="-127"/>
-              <a:ea typeface="이사만루체 Light" panose="00000300000000000000" pitchFamily="2" charset="-127"/>
-            </a:endParaRPr>
-          </a:p>
-          <a:p>
-            <a:pPr marL="171360" indent="-171360">
-              <a:lnSpc>
-                <a:spcPct val="100000"/>
-              </a:lnSpc>
-              <a:buClr>
-                <a:srgbClr val="000000"/>
-              </a:buClr>
-              <a:buFont typeface="Noto Sans Symbols"/>
-              <a:buChar char="▪"/>
-            </a:pPr>
-            <a:r>
-              <a:rPr lang="ko-KR" sz="700" b="0" strike="noStrike" spc="-1">
-                <a:solidFill>
-                  <a:srgbClr val="000000"/>
-                </a:solidFill>
-                <a:latin typeface="이사만루체 Light" panose="00000300000000000000" pitchFamily="2" charset="-127"/>
-                <a:ea typeface="이사만루체 Light" panose="00000300000000000000" pitchFamily="2" charset="-127"/>
-              </a:rPr>
-              <a:t>프로젝트 최종 보고서</a:t>
-            </a:r>
-            <a:endParaRPr lang="en-US" sz="700" b="0" strike="noStrike" spc="-1">
-              <a:latin typeface="이사만루체 Light" panose="00000300000000000000" pitchFamily="2" charset="-127"/>
-              <a:ea typeface="이사만루체 Light" panose="00000300000000000000" pitchFamily="2" charset="-127"/>
-            </a:endParaRPr>
-          </a:p>
-        </p:txBody>
-      </p:sp>
-      <p:sp>
-        <p:nvSpPr>
-          <p:cNvPr id="23" name="Google Shape;181;p22">
-            <a:extLst>
-              <a:ext uri="{FF2B5EF4-FFF2-40B4-BE49-F238E27FC236}">
-                <a16:creationId xmlns:a16="http://schemas.microsoft.com/office/drawing/2014/main" id="{08B336FF-A2ED-75CF-EBD3-8FC7B90B5B38}"/>
-              </a:ext>
-            </a:extLst>
-          </p:cNvPr>
-          <p:cNvSpPr/>
-          <p:nvPr/>
-        </p:nvSpPr>
-        <p:spPr>
-          <a:xfrm>
-            <a:off x="8090280" y="4533120"/>
-            <a:ext cx="1484280" cy="1910160"/>
-          </a:xfrm>
-          <a:prstGeom prst="rect">
-            <a:avLst/>
-          </a:prstGeom>
-          <a:gradFill rotWithShape="0">
-            <a:gsLst>
-              <a:gs pos="0">
-                <a:srgbClr val="F2F2F2"/>
-              </a:gs>
-              <a:gs pos="50000">
-                <a:srgbClr val="E6E6E6"/>
-              </a:gs>
-              <a:gs pos="100000">
-                <a:srgbClr val="F2F2F2"/>
-              </a:gs>
-            </a:gsLst>
-            <a:lin ang="5400000"/>
-          </a:gradFill>
-          <a:ln w="9525">
-            <a:solidFill>
-              <a:srgbClr val="A5A5A5"/>
-            </a:solidFill>
-            <a:miter/>
-          </a:ln>
-        </p:spPr>
-        <p:style>
-          <a:lnRef idx="0">
-            <a:scrgbClr r="0" g="0" b="0"/>
-          </a:lnRef>
-          <a:fillRef idx="0">
-            <a:scrgbClr r="0" g="0" b="0"/>
-          </a:fillRef>
-          <a:effectRef idx="0">
-            <a:scrgbClr r="0" g="0" b="0"/>
-          </a:effectRef>
-          <a:fontRef idx="minor"/>
-        </p:style>
-        <p:txBody>
-          <a:bodyPr lIns="90000" tIns="45000" rIns="90000" bIns="45000" anchor="t">
-            <a:noAutofit/>
-          </a:bodyPr>
-          <a:lstStyle/>
-          <a:p>
-            <a:pPr marL="171360" indent="-171360">
-              <a:lnSpc>
-                <a:spcPct val="100000"/>
-              </a:lnSpc>
-              <a:buClr>
-                <a:srgbClr val="000000"/>
-              </a:buClr>
-              <a:buFont typeface="Noto Sans Symbols"/>
-              <a:buChar char="▪"/>
-            </a:pPr>
-            <a:r>
-              <a:rPr lang="ko-KR" sz="700" b="0" strike="noStrike" spc="-1">
-                <a:solidFill>
-                  <a:srgbClr val="000000"/>
-                </a:solidFill>
-                <a:latin typeface="이사만루체 Light" panose="00000300000000000000" pitchFamily="2" charset="-127"/>
-                <a:ea typeface="이사만루체 Light" panose="00000300000000000000" pitchFamily="2" charset="-127"/>
-              </a:rPr>
-              <a:t>시스템분석및 설계서</a:t>
-            </a:r>
-            <a:endParaRPr lang="en-US" sz="700" b="0" strike="noStrike" spc="-1">
-              <a:latin typeface="이사만루체 Light" panose="00000300000000000000" pitchFamily="2" charset="-127"/>
-              <a:ea typeface="이사만루체 Light" panose="00000300000000000000" pitchFamily="2" charset="-127"/>
-            </a:endParaRPr>
-          </a:p>
-          <a:p>
-            <a:pPr marL="171360" indent="-171360">
-              <a:lnSpc>
-                <a:spcPct val="100000"/>
-              </a:lnSpc>
-              <a:buClr>
-                <a:srgbClr val="000000"/>
-              </a:buClr>
-              <a:buFont typeface="Noto Sans Symbols"/>
-              <a:buChar char="▪"/>
-            </a:pPr>
-            <a:r>
-              <a:rPr lang="ko-KR" sz="700" b="0" strike="noStrike" spc="-1">
-                <a:solidFill>
-                  <a:srgbClr val="000000"/>
-                </a:solidFill>
-                <a:latin typeface="이사만루체 Light" panose="00000300000000000000" pitchFamily="2" charset="-127"/>
-                <a:ea typeface="이사만루체 Light" panose="00000300000000000000" pitchFamily="2" charset="-127"/>
-              </a:rPr>
-              <a:t>구현시스템</a:t>
-            </a:r>
-            <a:endParaRPr lang="en-US" sz="700" b="0" strike="noStrike" spc="-1">
-              <a:latin typeface="이사만루체 Light" panose="00000300000000000000" pitchFamily="2" charset="-127"/>
-              <a:ea typeface="이사만루체 Light" panose="00000300000000000000" pitchFamily="2" charset="-127"/>
-            </a:endParaRPr>
-          </a:p>
-          <a:p>
-            <a:pPr>
-              <a:lnSpc>
-                <a:spcPct val="100000"/>
-              </a:lnSpc>
-            </a:pPr>
-            <a:endParaRPr lang="en-US" sz="700" b="0" strike="noStrike" spc="-1">
-              <a:latin typeface="이사만루체 Light" panose="00000300000000000000" pitchFamily="2" charset="-127"/>
-              <a:ea typeface="이사만루체 Light" panose="00000300000000000000" pitchFamily="2" charset="-127"/>
-            </a:endParaRPr>
-          </a:p>
-          <a:p>
-            <a:pPr marL="171360" indent="-171360">
-              <a:lnSpc>
-                <a:spcPct val="100000"/>
-              </a:lnSpc>
-              <a:buClr>
-                <a:srgbClr val="000000"/>
-              </a:buClr>
-              <a:buFont typeface="Noto Sans Symbols"/>
-              <a:buChar char="▪"/>
-            </a:pPr>
-            <a:r>
-              <a:rPr lang="ko-KR" sz="700" b="0" strike="noStrike" spc="-1">
-                <a:solidFill>
-                  <a:srgbClr val="000000"/>
-                </a:solidFill>
-                <a:latin typeface="이사만루체 Light" panose="00000300000000000000" pitchFamily="2" charset="-127"/>
-                <a:ea typeface="이사만루체 Light" panose="00000300000000000000" pitchFamily="2" charset="-127"/>
-              </a:rPr>
-              <a:t>시스템테스트결과보고서</a:t>
-            </a:r>
-            <a:endParaRPr lang="en-US" sz="700" b="0" strike="noStrike" spc="-1">
-              <a:latin typeface="이사만루체 Light" panose="00000300000000000000" pitchFamily="2" charset="-127"/>
-              <a:ea typeface="이사만루체 Light" panose="00000300000000000000" pitchFamily="2" charset="-127"/>
-            </a:endParaRPr>
-          </a:p>
-          <a:p>
-            <a:pPr marL="171360" indent="-171360">
-              <a:lnSpc>
-                <a:spcPct val="100000"/>
-              </a:lnSpc>
-              <a:buClr>
-                <a:srgbClr val="000000"/>
-              </a:buClr>
-              <a:buFont typeface="Noto Sans Symbols"/>
-              <a:buChar char="▪"/>
-            </a:pPr>
-            <a:r>
-              <a:rPr lang="ko-KR" sz="700" b="0" strike="noStrike" spc="-1">
-                <a:solidFill>
-                  <a:srgbClr val="000000"/>
-                </a:solidFill>
-                <a:latin typeface="이사만루체 Light" panose="00000300000000000000" pitchFamily="2" charset="-127"/>
-                <a:ea typeface="이사만루체 Light" panose="00000300000000000000" pitchFamily="2" charset="-127"/>
-              </a:rPr>
-              <a:t>운영자매뉴얼</a:t>
-            </a:r>
-            <a:r>
-              <a:rPr lang="en-US" sz="700" b="0" strike="noStrike" spc="-1">
-                <a:solidFill>
-                  <a:srgbClr val="000000"/>
-                </a:solidFill>
-                <a:latin typeface="이사만루체 Light" panose="00000300000000000000" pitchFamily="2" charset="-127"/>
-                <a:ea typeface="이사만루체 Light" panose="00000300000000000000" pitchFamily="2" charset="-127"/>
-              </a:rPr>
-              <a:t>, </a:t>
-            </a:r>
-            <a:r>
-              <a:rPr lang="ko-KR" sz="700" b="0" strike="noStrike" spc="-1">
-                <a:solidFill>
-                  <a:srgbClr val="000000"/>
-                </a:solidFill>
-                <a:latin typeface="이사만루체 Light" panose="00000300000000000000" pitchFamily="2" charset="-127"/>
-                <a:ea typeface="이사만루체 Light" panose="00000300000000000000" pitchFamily="2" charset="-127"/>
-              </a:rPr>
-              <a:t>사용자매뉴얼</a:t>
-            </a:r>
-            <a:r>
-              <a:rPr lang="en-US" sz="700" b="0" strike="noStrike" spc="-1">
-                <a:solidFill>
-                  <a:srgbClr val="000000"/>
-                </a:solidFill>
-                <a:latin typeface="이사만루체 Light" panose="00000300000000000000" pitchFamily="2" charset="-127"/>
-                <a:ea typeface="이사만루체 Light" panose="00000300000000000000" pitchFamily="2" charset="-127"/>
-              </a:rPr>
-              <a:t>,</a:t>
-            </a:r>
-            <a:r>
-              <a:rPr lang="ko-KR" sz="700" b="0" strike="noStrike" spc="-1">
-                <a:solidFill>
-                  <a:srgbClr val="000000"/>
-                </a:solidFill>
-                <a:latin typeface="이사만루체 Light" panose="00000300000000000000" pitchFamily="2" charset="-127"/>
-                <a:ea typeface="이사만루체 Light" panose="00000300000000000000" pitchFamily="2" charset="-127"/>
-              </a:rPr>
-              <a:t>시스템운영계획서</a:t>
-            </a:r>
-            <a:endParaRPr lang="en-US" sz="700" b="0" strike="noStrike" spc="-1">
-              <a:latin typeface="이사만루체 Light" panose="00000300000000000000" pitchFamily="2" charset="-127"/>
-              <a:ea typeface="이사만루체 Light" panose="00000300000000000000" pitchFamily="2" charset="-127"/>
-            </a:endParaRPr>
-          </a:p>
-        </p:txBody>
-      </p:sp>
-    </p:spTree>
-    <p:extLst>
-      <p:ext uri="{BB962C8B-B14F-4D97-AF65-F5344CB8AC3E}">
-        <p14:creationId xmlns:p14="http://schemas.microsoft.com/office/powerpoint/2010/main" val="3098094831"/>
-      </p:ext>
-    </p:extLst>
-  </p:cSld>
-  <p:clrMapOvr>
-    <a:masterClrMapping/>
-  </p:clrMapOvr>
-</p:sld>
-</file>
-
-<file path=ppt/slides/slide6.xml><?xml version="1.0" encoding="utf-8"?>
-<p:sld xmlns:a="http://schemas.openxmlformats.org/drawingml/2006/main" xmlns:r="http://schemas.openxmlformats.org/officeDocument/2006/relationships" xmlns:p="http://schemas.openxmlformats.org/presentationml/2006/main">
-  <p:cSld>
-    <p:spTree>
-      <p:nvGrpSpPr>
-        <p:cNvPr id="1" name=""/>
-        <p:cNvGrpSpPr/>
-        <p:nvPr/>
-      </p:nvGrpSpPr>
-      <p:grpSpPr>
-        <a:xfrm>
-          <a:off x="0" y="0"/>
-          <a:ext cx="0" cy="0"/>
-          <a:chOff x="0" y="0"/>
-          <a:chExt cx="0" cy="0"/>
-        </a:xfrm>
-      </p:grpSpPr>
-      <p:pic>
-        <p:nvPicPr>
           <p:cNvPr id="24" name="그림 23">
             <a:extLst>
               <a:ext uri="{FF2B5EF4-FFF2-40B4-BE49-F238E27FC236}">
@@ -12626,7 +8420,7 @@
                 <a:latin typeface="이사만루체 Medium" panose="00000600000000000000" pitchFamily="2" charset="-127"/>
                 <a:ea typeface="이사만루체 Medium" panose="00000600000000000000" pitchFamily="2" charset="-127"/>
               </a:rPr>
-              <a:t>4. </a:t>
+              <a:t>3. </a:t>
             </a:r>
             <a:r>
               <a:rPr lang="ko-KR" sz="3200" b="1" strike="noStrike" spc="-1" dirty="0">
@@ -13994,7 +9788,7 @@
 </p:sld>
 </file>
 
-<file path=ppt/slides/slide7.xml><?xml version="1.0" encoding="utf-8"?>
+<file path=ppt/slides/slide6.xml><?xml version="1.0" encoding="utf-8"?>
 <p:sld xmlns:a="http://schemas.openxmlformats.org/drawingml/2006/main" xmlns:r="http://schemas.openxmlformats.org/officeDocument/2006/relationships" xmlns:p="http://schemas.openxmlformats.org/presentationml/2006/main">
   <p:cSld>
     <p:spTree>
@@ -14320,7 +10114,7 @@
                 <a:latin typeface="이사만루체 Light" panose="00000300000000000000" pitchFamily="2" charset="-127"/>
                 <a:ea typeface="이사만루체 Light" panose="00000300000000000000" pitchFamily="2" charset="-127"/>
               </a:rPr>
-              <a:t>5. </a:t>
+              <a:t>4. </a:t>
             </a:r>
             <a:r>
               <a:rPr lang="ko-KR" sz="3200" b="1" spc="-1" dirty="0">
@@ -14332,7 +10126,7 @@
               </a:rPr>
               <a:t>프로젝트 일정</a:t>
             </a:r>
-            <a:endParaRPr lang="en-US" sz="3200" spc="-1" dirty="0">
+            <a:endParaRPr lang="en-US" sz="3200" b="1" spc="-1" dirty="0">
               <a:latin typeface="이사만루체 Light" panose="00000300000000000000" pitchFamily="2" charset="-127"/>
               <a:ea typeface="이사만루체 Light" panose="00000300000000000000" pitchFamily="2" charset="-127"/>
             </a:endParaRPr>
@@ -14725,7 +10519,7 @@
 </p:sld>
 </file>
 
-<file path=ppt/slides/slide8.xml><?xml version="1.0" encoding="utf-8"?>
+<file path=ppt/slides/slide7.xml><?xml version="1.0" encoding="utf-8"?>
 <p:sld xmlns:a="http://schemas.openxmlformats.org/drawingml/2006/main" xmlns:r="http://schemas.openxmlformats.org/officeDocument/2006/relationships" xmlns:p="http://schemas.openxmlformats.org/presentationml/2006/main">
   <p:cSld>
     <p:spTree>
@@ -16566,7 +12360,7 @@
 </p:sld>
 </file>
 
-<file path=ppt/slides/slide9.xml><?xml version="1.0" encoding="utf-8"?>
+<file path=ppt/slides/slide8.xml><?xml version="1.0" encoding="utf-8"?>
 <p:sld xmlns:a="http://schemas.openxmlformats.org/drawingml/2006/main" xmlns:r="http://schemas.openxmlformats.org/officeDocument/2006/relationships" xmlns:p="http://schemas.openxmlformats.org/presentationml/2006/main">
   <p:cSld>
     <p:spTree>
